--- a/database_sw_kills/db_build.pptx
+++ b/database_sw_kills/db_build.pptx
@@ -7,19 +7,21 @@
     <p:sldMasterId id="2147483674" r:id="rId4"/>
     <p:sldMasterId id="2147483687" r:id="rId5"/>
     <p:sldMasterId id="2147483700" r:id="rId6"/>
+    <p:sldMasterId id="2147483713" r:id="rId7"/>
   </p:sldMasterIdLst>
   <p:sldIdLst>
-    <p:sldId id="256" r:id="rId7"/>
-    <p:sldId id="257" r:id="rId8"/>
-    <p:sldId id="258" r:id="rId9"/>
-    <p:sldId id="259" r:id="rId10"/>
-    <p:sldId id="260" r:id="rId11"/>
-    <p:sldId id="261" r:id="rId12"/>
-    <p:sldId id="262" r:id="rId13"/>
-    <p:sldId id="263" r:id="rId14"/>
-    <p:sldId id="264" r:id="rId15"/>
-    <p:sldId id="265" r:id="rId16"/>
-    <p:sldId id="266" r:id="rId17"/>
+    <p:sldId id="256" r:id="rId8"/>
+    <p:sldId id="257" r:id="rId9"/>
+    <p:sldId id="258" r:id="rId10"/>
+    <p:sldId id="259" r:id="rId11"/>
+    <p:sldId id="260" r:id="rId12"/>
+    <p:sldId id="261" r:id="rId13"/>
+    <p:sldId id="262" r:id="rId14"/>
+    <p:sldId id="263" r:id="rId15"/>
+    <p:sldId id="264" r:id="rId16"/>
+    <p:sldId id="265" r:id="rId17"/>
+    <p:sldId id="266" r:id="rId18"/>
+    <p:sldId id="267" r:id="rId19"/>
   </p:sldIdLst>
   <p:sldSz cx="9144000" cy="5143500"/>
   <p:notesSz cx="7772400" cy="10058400"/>
@@ -6377,6 +6379,843 @@
 </p:sldLayout>
 </file>
 
+<file path=ppt/slideLayouts/slideLayout61.xml><?xml version="1.0" encoding="utf-8"?>
+<p:sldLayout xmlns:a="http://schemas.openxmlformats.org/drawingml/2006/main" xmlns:p="http://schemas.openxmlformats.org/presentationml/2006/main" xmlns:r="http://schemas.openxmlformats.org/officeDocument/2006/relationships" xmlns:p14="http://schemas.microsoft.com/office/powerpoint/2010/main" xmlns:p15="http://schemas.microsoft.com/office/powerpoint/2012/main" xmlns:mc="http://schemas.openxmlformats.org/markup-compatibility/2006" type="blank" preserve="1">
+  <p:cSld name="Blank Slide">
+    <p:spTree>
+      <p:nvGrpSpPr>
+        <p:cNvPr id="1" name=""/>
+        <p:cNvGrpSpPr/>
+        <p:nvPr/>
+      </p:nvGrpSpPr>
+      <p:grpSpPr>
+        <a:xfrm>
+          <a:off x="0" y="0"/>
+          <a:ext cx="0" cy="0"/>
+          <a:chOff x="0" y="0"/>
+          <a:chExt cx="0" cy="0"/>
+        </a:xfrm>
+      </p:grpSpPr>
+    </p:spTree>
+  </p:cSld>
+</p:sldLayout>
+</file>
+
+<file path=ppt/slideLayouts/slideLayout62.xml><?xml version="1.0" encoding="utf-8"?>
+<p:sldLayout xmlns:a="http://schemas.openxmlformats.org/drawingml/2006/main" xmlns:p="http://schemas.openxmlformats.org/presentationml/2006/main" xmlns:r="http://schemas.openxmlformats.org/officeDocument/2006/relationships" xmlns:p14="http://schemas.microsoft.com/office/powerpoint/2010/main" xmlns:p15="http://schemas.microsoft.com/office/powerpoint/2012/main" xmlns:mc="http://schemas.openxmlformats.org/markup-compatibility/2006" type="tx" preserve="1">
+  <p:cSld name="Title Slide">
+    <p:spTree>
+      <p:nvGrpSpPr>
+        <p:cNvPr id="1" name=""/>
+        <p:cNvGrpSpPr/>
+        <p:nvPr/>
+      </p:nvGrpSpPr>
+      <p:grpSpPr>
+        <a:xfrm>
+          <a:off x="0" y="0"/>
+          <a:ext cx="0" cy="0"/>
+          <a:chOff x="0" y="0"/>
+          <a:chExt cx="0" cy="0"/>
+        </a:xfrm>
+      </p:grpSpPr>
+      <p:sp>
+        <p:nvSpPr>
+          <p:cNvPr id="211" name="PlaceHolder 1"/>
+          <p:cNvSpPr>
+            <a:spLocks noGrp="1"/>
+          </p:cNvSpPr>
+          <p:nvPr>
+            <p:ph type="title"/>
+          </p:nvPr>
+        </p:nvSpPr>
+        <p:spPr>
+          <a:xfrm>
+            <a:off x="457200" y="205200"/>
+            <a:ext cx="8229240" cy="858600"/>
+          </a:xfrm>
+          <a:prstGeom prst="rect">
+            <a:avLst/>
+          </a:prstGeom>
+        </p:spPr>
+        <p:txBody>
+          <a:bodyPr lIns="0" rIns="0" tIns="0" bIns="0" anchor="ctr">
+            <a:spAutoFit/>
+          </a:bodyPr>
+          <a:p>
+            <a:pPr algn="ctr"/>
+            <a:endParaRPr b="0" lang="en-US" sz="4400" spc="-1" strike="noStrike">
+              <a:latin typeface="Arial"/>
+            </a:endParaRPr>
+          </a:p>
+        </p:txBody>
+      </p:sp>
+      <p:sp>
+        <p:nvSpPr>
+          <p:cNvPr id="212" name="PlaceHolder 2"/>
+          <p:cNvSpPr>
+            <a:spLocks noGrp="1"/>
+          </p:cNvSpPr>
+          <p:nvPr>
+            <p:ph type="subTitle"/>
+          </p:nvPr>
+        </p:nvSpPr>
+        <p:spPr>
+          <a:xfrm>
+            <a:off x="457200" y="1203480"/>
+            <a:ext cx="8229240" cy="2982960"/>
+          </a:xfrm>
+          <a:prstGeom prst="rect">
+            <a:avLst/>
+          </a:prstGeom>
+        </p:spPr>
+        <p:txBody>
+          <a:bodyPr lIns="0" rIns="0" tIns="0" bIns="0" anchor="ctr">
+            <a:spAutoFit/>
+          </a:bodyPr>
+          <a:p>
+            <a:pPr algn="ctr"/>
+            <a:endParaRPr b="0" lang="en-US" sz="3200" spc="-1" strike="noStrike">
+              <a:latin typeface="Arial"/>
+            </a:endParaRPr>
+          </a:p>
+        </p:txBody>
+      </p:sp>
+    </p:spTree>
+  </p:cSld>
+</p:sldLayout>
+</file>
+
+<file path=ppt/slideLayouts/slideLayout63.xml><?xml version="1.0" encoding="utf-8"?>
+<p:sldLayout xmlns:a="http://schemas.openxmlformats.org/drawingml/2006/main" xmlns:p="http://schemas.openxmlformats.org/presentationml/2006/main" xmlns:r="http://schemas.openxmlformats.org/officeDocument/2006/relationships" xmlns:p14="http://schemas.microsoft.com/office/powerpoint/2010/main" xmlns:p15="http://schemas.microsoft.com/office/powerpoint/2012/main" xmlns:mc="http://schemas.openxmlformats.org/markup-compatibility/2006" type="obj" preserve="1">
+  <p:cSld name="Title, Content">
+    <p:spTree>
+      <p:nvGrpSpPr>
+        <p:cNvPr id="1" name=""/>
+        <p:cNvGrpSpPr/>
+        <p:nvPr/>
+      </p:nvGrpSpPr>
+      <p:grpSpPr>
+        <a:xfrm>
+          <a:off x="0" y="0"/>
+          <a:ext cx="0" cy="0"/>
+          <a:chOff x="0" y="0"/>
+          <a:chExt cx="0" cy="0"/>
+        </a:xfrm>
+      </p:grpSpPr>
+      <p:sp>
+        <p:nvSpPr>
+          <p:cNvPr id="213" name="PlaceHolder 1"/>
+          <p:cNvSpPr>
+            <a:spLocks noGrp="1"/>
+          </p:cNvSpPr>
+          <p:nvPr>
+            <p:ph type="title"/>
+          </p:nvPr>
+        </p:nvSpPr>
+        <p:spPr>
+          <a:xfrm>
+            <a:off x="457200" y="205200"/>
+            <a:ext cx="8229240" cy="858600"/>
+          </a:xfrm>
+          <a:prstGeom prst="rect">
+            <a:avLst/>
+          </a:prstGeom>
+        </p:spPr>
+        <p:txBody>
+          <a:bodyPr lIns="0" rIns="0" tIns="0" bIns="0" anchor="ctr">
+            <a:spAutoFit/>
+          </a:bodyPr>
+          <a:p>
+            <a:pPr algn="ctr"/>
+            <a:endParaRPr b="0" lang="en-US" sz="4400" spc="-1" strike="noStrike">
+              <a:latin typeface="Arial"/>
+            </a:endParaRPr>
+          </a:p>
+        </p:txBody>
+      </p:sp>
+      <p:sp>
+        <p:nvSpPr>
+          <p:cNvPr id="214" name="PlaceHolder 2"/>
+          <p:cNvSpPr>
+            <a:spLocks noGrp="1"/>
+          </p:cNvSpPr>
+          <p:nvPr>
+            <p:ph type="body"/>
+          </p:nvPr>
+        </p:nvSpPr>
+        <p:spPr>
+          <a:xfrm>
+            <a:off x="457200" y="1203480"/>
+            <a:ext cx="8229240" cy="2982960"/>
+          </a:xfrm>
+          <a:prstGeom prst="rect">
+            <a:avLst/>
+          </a:prstGeom>
+        </p:spPr>
+        <p:txBody>
+          <a:bodyPr lIns="0" rIns="0" tIns="0" bIns="0">
+            <a:normAutofit/>
+          </a:bodyPr>
+          <a:p>
+            <a:endParaRPr b="0" lang="en-US" sz="3200" spc="-1" strike="noStrike">
+              <a:latin typeface="Arial"/>
+            </a:endParaRPr>
+          </a:p>
+        </p:txBody>
+      </p:sp>
+    </p:spTree>
+  </p:cSld>
+</p:sldLayout>
+</file>
+
+<file path=ppt/slideLayouts/slideLayout64.xml><?xml version="1.0" encoding="utf-8"?>
+<p:sldLayout xmlns:a="http://schemas.openxmlformats.org/drawingml/2006/main" xmlns:p="http://schemas.openxmlformats.org/presentationml/2006/main" xmlns:r="http://schemas.openxmlformats.org/officeDocument/2006/relationships" xmlns:p14="http://schemas.microsoft.com/office/powerpoint/2010/main" xmlns:p15="http://schemas.microsoft.com/office/powerpoint/2012/main" xmlns:mc="http://schemas.openxmlformats.org/markup-compatibility/2006" type="twoObj" preserve="1">
+  <p:cSld name="Title, 2 Content">
+    <p:spTree>
+      <p:nvGrpSpPr>
+        <p:cNvPr id="1" name=""/>
+        <p:cNvGrpSpPr/>
+        <p:nvPr/>
+      </p:nvGrpSpPr>
+      <p:grpSpPr>
+        <a:xfrm>
+          <a:off x="0" y="0"/>
+          <a:ext cx="0" cy="0"/>
+          <a:chOff x="0" y="0"/>
+          <a:chExt cx="0" cy="0"/>
+        </a:xfrm>
+      </p:grpSpPr>
+      <p:sp>
+        <p:nvSpPr>
+          <p:cNvPr id="215" name="PlaceHolder 1"/>
+          <p:cNvSpPr>
+            <a:spLocks noGrp="1"/>
+          </p:cNvSpPr>
+          <p:nvPr>
+            <p:ph type="title"/>
+          </p:nvPr>
+        </p:nvSpPr>
+        <p:spPr>
+          <a:xfrm>
+            <a:off x="457200" y="205200"/>
+            <a:ext cx="8229240" cy="858600"/>
+          </a:xfrm>
+          <a:prstGeom prst="rect">
+            <a:avLst/>
+          </a:prstGeom>
+        </p:spPr>
+        <p:txBody>
+          <a:bodyPr lIns="0" rIns="0" tIns="0" bIns="0" anchor="ctr">
+            <a:spAutoFit/>
+          </a:bodyPr>
+          <a:p>
+            <a:pPr algn="ctr"/>
+            <a:endParaRPr b="0" lang="en-US" sz="4400" spc="-1" strike="noStrike">
+              <a:latin typeface="Arial"/>
+            </a:endParaRPr>
+          </a:p>
+        </p:txBody>
+      </p:sp>
+      <p:sp>
+        <p:nvSpPr>
+          <p:cNvPr id="216" name="PlaceHolder 2"/>
+          <p:cNvSpPr>
+            <a:spLocks noGrp="1"/>
+          </p:cNvSpPr>
+          <p:nvPr>
+            <p:ph type="body"/>
+          </p:nvPr>
+        </p:nvSpPr>
+        <p:spPr>
+          <a:xfrm>
+            <a:off x="457200" y="1203480"/>
+            <a:ext cx="4015800" cy="2982960"/>
+          </a:xfrm>
+          <a:prstGeom prst="rect">
+            <a:avLst/>
+          </a:prstGeom>
+        </p:spPr>
+        <p:txBody>
+          <a:bodyPr lIns="0" rIns="0" tIns="0" bIns="0">
+            <a:normAutofit/>
+          </a:bodyPr>
+          <a:p>
+            <a:endParaRPr b="0" lang="en-US" sz="3200" spc="-1" strike="noStrike">
+              <a:latin typeface="Arial"/>
+            </a:endParaRPr>
+          </a:p>
+        </p:txBody>
+      </p:sp>
+      <p:sp>
+        <p:nvSpPr>
+          <p:cNvPr id="217" name="PlaceHolder 3"/>
+          <p:cNvSpPr>
+            <a:spLocks noGrp="1"/>
+          </p:cNvSpPr>
+          <p:nvPr>
+            <p:ph type="body"/>
+          </p:nvPr>
+        </p:nvSpPr>
+        <p:spPr>
+          <a:xfrm>
+            <a:off x="4674240" y="1203480"/>
+            <a:ext cx="4015800" cy="2982960"/>
+          </a:xfrm>
+          <a:prstGeom prst="rect">
+            <a:avLst/>
+          </a:prstGeom>
+        </p:spPr>
+        <p:txBody>
+          <a:bodyPr lIns="0" rIns="0" tIns="0" bIns="0">
+            <a:normAutofit/>
+          </a:bodyPr>
+          <a:p>
+            <a:endParaRPr b="0" lang="en-US" sz="3200" spc="-1" strike="noStrike">
+              <a:latin typeface="Arial"/>
+            </a:endParaRPr>
+          </a:p>
+        </p:txBody>
+      </p:sp>
+    </p:spTree>
+  </p:cSld>
+</p:sldLayout>
+</file>
+
+<file path=ppt/slideLayouts/slideLayout65.xml><?xml version="1.0" encoding="utf-8"?>
+<p:sldLayout xmlns:a="http://schemas.openxmlformats.org/drawingml/2006/main" xmlns:p="http://schemas.openxmlformats.org/presentationml/2006/main" xmlns:r="http://schemas.openxmlformats.org/officeDocument/2006/relationships" xmlns:p14="http://schemas.microsoft.com/office/powerpoint/2010/main" xmlns:p15="http://schemas.microsoft.com/office/powerpoint/2012/main" xmlns:mc="http://schemas.openxmlformats.org/markup-compatibility/2006" type="titleOnly" preserve="1">
+  <p:cSld name="Title Only">
+    <p:spTree>
+      <p:nvGrpSpPr>
+        <p:cNvPr id="1" name=""/>
+        <p:cNvGrpSpPr/>
+        <p:nvPr/>
+      </p:nvGrpSpPr>
+      <p:grpSpPr>
+        <a:xfrm>
+          <a:off x="0" y="0"/>
+          <a:ext cx="0" cy="0"/>
+          <a:chOff x="0" y="0"/>
+          <a:chExt cx="0" cy="0"/>
+        </a:xfrm>
+      </p:grpSpPr>
+      <p:sp>
+        <p:nvSpPr>
+          <p:cNvPr id="218" name="PlaceHolder 1"/>
+          <p:cNvSpPr>
+            <a:spLocks noGrp="1"/>
+          </p:cNvSpPr>
+          <p:nvPr>
+            <p:ph type="title"/>
+          </p:nvPr>
+        </p:nvSpPr>
+        <p:spPr>
+          <a:xfrm>
+            <a:off x="457200" y="205200"/>
+            <a:ext cx="8229240" cy="858600"/>
+          </a:xfrm>
+          <a:prstGeom prst="rect">
+            <a:avLst/>
+          </a:prstGeom>
+        </p:spPr>
+        <p:txBody>
+          <a:bodyPr lIns="0" rIns="0" tIns="0" bIns="0" anchor="ctr">
+            <a:spAutoFit/>
+          </a:bodyPr>
+          <a:p>
+            <a:pPr algn="ctr"/>
+            <a:endParaRPr b="0" lang="en-US" sz="4400" spc="-1" strike="noStrike">
+              <a:latin typeface="Arial"/>
+            </a:endParaRPr>
+          </a:p>
+        </p:txBody>
+      </p:sp>
+    </p:spTree>
+  </p:cSld>
+</p:sldLayout>
+</file>
+
+<file path=ppt/slideLayouts/slideLayout66.xml><?xml version="1.0" encoding="utf-8"?>
+<p:sldLayout xmlns:a="http://schemas.openxmlformats.org/drawingml/2006/main" xmlns:p="http://schemas.openxmlformats.org/presentationml/2006/main" xmlns:r="http://schemas.openxmlformats.org/officeDocument/2006/relationships" xmlns:p14="http://schemas.microsoft.com/office/powerpoint/2010/main" xmlns:p15="http://schemas.microsoft.com/office/powerpoint/2012/main" xmlns:mc="http://schemas.openxmlformats.org/markup-compatibility/2006" type="objOnly" preserve="1">
+  <p:cSld name="Centered Text">
+    <p:spTree>
+      <p:nvGrpSpPr>
+        <p:cNvPr id="1" name=""/>
+        <p:cNvGrpSpPr/>
+        <p:nvPr/>
+      </p:nvGrpSpPr>
+      <p:grpSpPr>
+        <a:xfrm>
+          <a:off x="0" y="0"/>
+          <a:ext cx="0" cy="0"/>
+          <a:chOff x="0" y="0"/>
+          <a:chExt cx="0" cy="0"/>
+        </a:xfrm>
+      </p:grpSpPr>
+      <p:sp>
+        <p:nvSpPr>
+          <p:cNvPr id="219" name="PlaceHolder 1"/>
+          <p:cNvSpPr>
+            <a:spLocks noGrp="1"/>
+          </p:cNvSpPr>
+          <p:nvPr>
+            <p:ph type="subTitle"/>
+          </p:nvPr>
+        </p:nvSpPr>
+        <p:spPr>
+          <a:xfrm>
+            <a:off x="457200" y="205200"/>
+            <a:ext cx="8229240" cy="3981240"/>
+          </a:xfrm>
+          <a:prstGeom prst="rect">
+            <a:avLst/>
+          </a:prstGeom>
+        </p:spPr>
+        <p:txBody>
+          <a:bodyPr lIns="0" rIns="0" tIns="0" bIns="0" anchor="ctr">
+            <a:spAutoFit/>
+          </a:bodyPr>
+          <a:p>
+            <a:pPr algn="ctr"/>
+            <a:endParaRPr b="0" lang="en-US" sz="3200" spc="-1" strike="noStrike">
+              <a:latin typeface="Arial"/>
+            </a:endParaRPr>
+          </a:p>
+        </p:txBody>
+      </p:sp>
+    </p:spTree>
+  </p:cSld>
+</p:sldLayout>
+</file>
+
+<file path=ppt/slideLayouts/slideLayout67.xml><?xml version="1.0" encoding="utf-8"?>
+<p:sldLayout xmlns:a="http://schemas.openxmlformats.org/drawingml/2006/main" xmlns:p="http://schemas.openxmlformats.org/presentationml/2006/main" xmlns:r="http://schemas.openxmlformats.org/officeDocument/2006/relationships" xmlns:p14="http://schemas.microsoft.com/office/powerpoint/2010/main" xmlns:p15="http://schemas.microsoft.com/office/powerpoint/2012/main" xmlns:mc="http://schemas.openxmlformats.org/markup-compatibility/2006" type="twoObjAndObj" preserve="1">
+  <p:cSld name="Title, 2 Content and Content">
+    <p:spTree>
+      <p:nvGrpSpPr>
+        <p:cNvPr id="1" name=""/>
+        <p:cNvGrpSpPr/>
+        <p:nvPr/>
+      </p:nvGrpSpPr>
+      <p:grpSpPr>
+        <a:xfrm>
+          <a:off x="0" y="0"/>
+          <a:ext cx="0" cy="0"/>
+          <a:chOff x="0" y="0"/>
+          <a:chExt cx="0" cy="0"/>
+        </a:xfrm>
+      </p:grpSpPr>
+      <p:sp>
+        <p:nvSpPr>
+          <p:cNvPr id="220" name="PlaceHolder 1"/>
+          <p:cNvSpPr>
+            <a:spLocks noGrp="1"/>
+          </p:cNvSpPr>
+          <p:nvPr>
+            <p:ph type="title"/>
+          </p:nvPr>
+        </p:nvSpPr>
+        <p:spPr>
+          <a:xfrm>
+            <a:off x="457200" y="205200"/>
+            <a:ext cx="8229240" cy="858600"/>
+          </a:xfrm>
+          <a:prstGeom prst="rect">
+            <a:avLst/>
+          </a:prstGeom>
+        </p:spPr>
+        <p:txBody>
+          <a:bodyPr lIns="0" rIns="0" tIns="0" bIns="0" anchor="ctr">
+            <a:spAutoFit/>
+          </a:bodyPr>
+          <a:p>
+            <a:pPr algn="ctr"/>
+            <a:endParaRPr b="0" lang="en-US" sz="4400" spc="-1" strike="noStrike">
+              <a:latin typeface="Arial"/>
+            </a:endParaRPr>
+          </a:p>
+        </p:txBody>
+      </p:sp>
+      <p:sp>
+        <p:nvSpPr>
+          <p:cNvPr id="221" name="PlaceHolder 2"/>
+          <p:cNvSpPr>
+            <a:spLocks noGrp="1"/>
+          </p:cNvSpPr>
+          <p:nvPr>
+            <p:ph type="body"/>
+          </p:nvPr>
+        </p:nvSpPr>
+        <p:spPr>
+          <a:xfrm>
+            <a:off x="457200" y="1203480"/>
+            <a:ext cx="4015800" cy="1422720"/>
+          </a:xfrm>
+          <a:prstGeom prst="rect">
+            <a:avLst/>
+          </a:prstGeom>
+        </p:spPr>
+        <p:txBody>
+          <a:bodyPr lIns="0" rIns="0" tIns="0" bIns="0">
+            <a:normAutofit/>
+          </a:bodyPr>
+          <a:p>
+            <a:endParaRPr b="0" lang="en-US" sz="3200" spc="-1" strike="noStrike">
+              <a:latin typeface="Arial"/>
+            </a:endParaRPr>
+          </a:p>
+        </p:txBody>
+      </p:sp>
+      <p:sp>
+        <p:nvSpPr>
+          <p:cNvPr id="222" name="PlaceHolder 3"/>
+          <p:cNvSpPr>
+            <a:spLocks noGrp="1"/>
+          </p:cNvSpPr>
+          <p:nvPr>
+            <p:ph type="body"/>
+          </p:nvPr>
+        </p:nvSpPr>
+        <p:spPr>
+          <a:xfrm>
+            <a:off x="4674240" y="1203480"/>
+            <a:ext cx="4015800" cy="2982960"/>
+          </a:xfrm>
+          <a:prstGeom prst="rect">
+            <a:avLst/>
+          </a:prstGeom>
+        </p:spPr>
+        <p:txBody>
+          <a:bodyPr lIns="0" rIns="0" tIns="0" bIns="0">
+            <a:normAutofit/>
+          </a:bodyPr>
+          <a:p>
+            <a:endParaRPr b="0" lang="en-US" sz="3200" spc="-1" strike="noStrike">
+              <a:latin typeface="Arial"/>
+            </a:endParaRPr>
+          </a:p>
+        </p:txBody>
+      </p:sp>
+      <p:sp>
+        <p:nvSpPr>
+          <p:cNvPr id="223" name="PlaceHolder 4"/>
+          <p:cNvSpPr>
+            <a:spLocks noGrp="1"/>
+          </p:cNvSpPr>
+          <p:nvPr>
+            <p:ph type="body"/>
+          </p:nvPr>
+        </p:nvSpPr>
+        <p:spPr>
+          <a:xfrm>
+            <a:off x="457200" y="2761920"/>
+            <a:ext cx="4015800" cy="1422720"/>
+          </a:xfrm>
+          <a:prstGeom prst="rect">
+            <a:avLst/>
+          </a:prstGeom>
+        </p:spPr>
+        <p:txBody>
+          <a:bodyPr lIns="0" rIns="0" tIns="0" bIns="0">
+            <a:normAutofit/>
+          </a:bodyPr>
+          <a:p>
+            <a:endParaRPr b="0" lang="en-US" sz="3200" spc="-1" strike="noStrike">
+              <a:latin typeface="Arial"/>
+            </a:endParaRPr>
+          </a:p>
+        </p:txBody>
+      </p:sp>
+    </p:spTree>
+  </p:cSld>
+</p:sldLayout>
+</file>
+
+<file path=ppt/slideLayouts/slideLayout68.xml><?xml version="1.0" encoding="utf-8"?>
+<p:sldLayout xmlns:a="http://schemas.openxmlformats.org/drawingml/2006/main" xmlns:p="http://schemas.openxmlformats.org/presentationml/2006/main" xmlns:r="http://schemas.openxmlformats.org/officeDocument/2006/relationships" xmlns:p14="http://schemas.microsoft.com/office/powerpoint/2010/main" xmlns:p15="http://schemas.microsoft.com/office/powerpoint/2012/main" xmlns:mc="http://schemas.openxmlformats.org/markup-compatibility/2006" type="objAndTwoObj" preserve="1">
+  <p:cSld name="Title Content and 2 Content">
+    <p:spTree>
+      <p:nvGrpSpPr>
+        <p:cNvPr id="1" name=""/>
+        <p:cNvGrpSpPr/>
+        <p:nvPr/>
+      </p:nvGrpSpPr>
+      <p:grpSpPr>
+        <a:xfrm>
+          <a:off x="0" y="0"/>
+          <a:ext cx="0" cy="0"/>
+          <a:chOff x="0" y="0"/>
+          <a:chExt cx="0" cy="0"/>
+        </a:xfrm>
+      </p:grpSpPr>
+      <p:sp>
+        <p:nvSpPr>
+          <p:cNvPr id="224" name="PlaceHolder 1"/>
+          <p:cNvSpPr>
+            <a:spLocks noGrp="1"/>
+          </p:cNvSpPr>
+          <p:nvPr>
+            <p:ph type="title"/>
+          </p:nvPr>
+        </p:nvSpPr>
+        <p:spPr>
+          <a:xfrm>
+            <a:off x="457200" y="205200"/>
+            <a:ext cx="8229240" cy="858600"/>
+          </a:xfrm>
+          <a:prstGeom prst="rect">
+            <a:avLst/>
+          </a:prstGeom>
+        </p:spPr>
+        <p:txBody>
+          <a:bodyPr lIns="0" rIns="0" tIns="0" bIns="0" anchor="ctr">
+            <a:spAutoFit/>
+          </a:bodyPr>
+          <a:p>
+            <a:pPr algn="ctr"/>
+            <a:endParaRPr b="0" lang="en-US" sz="4400" spc="-1" strike="noStrike">
+              <a:latin typeface="Arial"/>
+            </a:endParaRPr>
+          </a:p>
+        </p:txBody>
+      </p:sp>
+      <p:sp>
+        <p:nvSpPr>
+          <p:cNvPr id="225" name="PlaceHolder 2"/>
+          <p:cNvSpPr>
+            <a:spLocks noGrp="1"/>
+          </p:cNvSpPr>
+          <p:nvPr>
+            <p:ph type="body"/>
+          </p:nvPr>
+        </p:nvSpPr>
+        <p:spPr>
+          <a:xfrm>
+            <a:off x="457200" y="1203480"/>
+            <a:ext cx="4015800" cy="2982960"/>
+          </a:xfrm>
+          <a:prstGeom prst="rect">
+            <a:avLst/>
+          </a:prstGeom>
+        </p:spPr>
+        <p:txBody>
+          <a:bodyPr lIns="0" rIns="0" tIns="0" bIns="0">
+            <a:normAutofit/>
+          </a:bodyPr>
+          <a:p>
+            <a:endParaRPr b="0" lang="en-US" sz="3200" spc="-1" strike="noStrike">
+              <a:latin typeface="Arial"/>
+            </a:endParaRPr>
+          </a:p>
+        </p:txBody>
+      </p:sp>
+      <p:sp>
+        <p:nvSpPr>
+          <p:cNvPr id="226" name="PlaceHolder 3"/>
+          <p:cNvSpPr>
+            <a:spLocks noGrp="1"/>
+          </p:cNvSpPr>
+          <p:nvPr>
+            <p:ph type="body"/>
+          </p:nvPr>
+        </p:nvSpPr>
+        <p:spPr>
+          <a:xfrm>
+            <a:off x="4674240" y="1203480"/>
+            <a:ext cx="4015800" cy="1422720"/>
+          </a:xfrm>
+          <a:prstGeom prst="rect">
+            <a:avLst/>
+          </a:prstGeom>
+        </p:spPr>
+        <p:txBody>
+          <a:bodyPr lIns="0" rIns="0" tIns="0" bIns="0">
+            <a:normAutofit/>
+          </a:bodyPr>
+          <a:p>
+            <a:endParaRPr b="0" lang="en-US" sz="3200" spc="-1" strike="noStrike">
+              <a:latin typeface="Arial"/>
+            </a:endParaRPr>
+          </a:p>
+        </p:txBody>
+      </p:sp>
+      <p:sp>
+        <p:nvSpPr>
+          <p:cNvPr id="227" name="PlaceHolder 4"/>
+          <p:cNvSpPr>
+            <a:spLocks noGrp="1"/>
+          </p:cNvSpPr>
+          <p:nvPr>
+            <p:ph type="body"/>
+          </p:nvPr>
+        </p:nvSpPr>
+        <p:spPr>
+          <a:xfrm>
+            <a:off x="4674240" y="2761920"/>
+            <a:ext cx="4015800" cy="1422720"/>
+          </a:xfrm>
+          <a:prstGeom prst="rect">
+            <a:avLst/>
+          </a:prstGeom>
+        </p:spPr>
+        <p:txBody>
+          <a:bodyPr lIns="0" rIns="0" tIns="0" bIns="0">
+            <a:normAutofit/>
+          </a:bodyPr>
+          <a:p>
+            <a:endParaRPr b="0" lang="en-US" sz="3200" spc="-1" strike="noStrike">
+              <a:latin typeface="Arial"/>
+            </a:endParaRPr>
+          </a:p>
+        </p:txBody>
+      </p:sp>
+    </p:spTree>
+  </p:cSld>
+</p:sldLayout>
+</file>
+
+<file path=ppt/slideLayouts/slideLayout69.xml><?xml version="1.0" encoding="utf-8"?>
+<p:sldLayout xmlns:a="http://schemas.openxmlformats.org/drawingml/2006/main" xmlns:p="http://schemas.openxmlformats.org/presentationml/2006/main" xmlns:r="http://schemas.openxmlformats.org/officeDocument/2006/relationships" xmlns:p14="http://schemas.microsoft.com/office/powerpoint/2010/main" xmlns:p15="http://schemas.microsoft.com/office/powerpoint/2012/main" xmlns:mc="http://schemas.openxmlformats.org/markup-compatibility/2006" type="twoObjOverTx" preserve="1">
+  <p:cSld name="Title, 2 Content over Content">
+    <p:spTree>
+      <p:nvGrpSpPr>
+        <p:cNvPr id="1" name=""/>
+        <p:cNvGrpSpPr/>
+        <p:nvPr/>
+      </p:nvGrpSpPr>
+      <p:grpSpPr>
+        <a:xfrm>
+          <a:off x="0" y="0"/>
+          <a:ext cx="0" cy="0"/>
+          <a:chOff x="0" y="0"/>
+          <a:chExt cx="0" cy="0"/>
+        </a:xfrm>
+      </p:grpSpPr>
+      <p:sp>
+        <p:nvSpPr>
+          <p:cNvPr id="228" name="PlaceHolder 1"/>
+          <p:cNvSpPr>
+            <a:spLocks noGrp="1"/>
+          </p:cNvSpPr>
+          <p:nvPr>
+            <p:ph type="title"/>
+          </p:nvPr>
+        </p:nvSpPr>
+        <p:spPr>
+          <a:xfrm>
+            <a:off x="457200" y="205200"/>
+            <a:ext cx="8229240" cy="858600"/>
+          </a:xfrm>
+          <a:prstGeom prst="rect">
+            <a:avLst/>
+          </a:prstGeom>
+        </p:spPr>
+        <p:txBody>
+          <a:bodyPr lIns="0" rIns="0" tIns="0" bIns="0" anchor="ctr">
+            <a:spAutoFit/>
+          </a:bodyPr>
+          <a:p>
+            <a:pPr algn="ctr"/>
+            <a:endParaRPr b="0" lang="en-US" sz="4400" spc="-1" strike="noStrike">
+              <a:latin typeface="Arial"/>
+            </a:endParaRPr>
+          </a:p>
+        </p:txBody>
+      </p:sp>
+      <p:sp>
+        <p:nvSpPr>
+          <p:cNvPr id="229" name="PlaceHolder 2"/>
+          <p:cNvSpPr>
+            <a:spLocks noGrp="1"/>
+          </p:cNvSpPr>
+          <p:nvPr>
+            <p:ph type="body"/>
+          </p:nvPr>
+        </p:nvSpPr>
+        <p:spPr>
+          <a:xfrm>
+            <a:off x="457200" y="1203480"/>
+            <a:ext cx="4015800" cy="1422720"/>
+          </a:xfrm>
+          <a:prstGeom prst="rect">
+            <a:avLst/>
+          </a:prstGeom>
+        </p:spPr>
+        <p:txBody>
+          <a:bodyPr lIns="0" rIns="0" tIns="0" bIns="0">
+            <a:normAutofit/>
+          </a:bodyPr>
+          <a:p>
+            <a:endParaRPr b="0" lang="en-US" sz="3200" spc="-1" strike="noStrike">
+              <a:latin typeface="Arial"/>
+            </a:endParaRPr>
+          </a:p>
+        </p:txBody>
+      </p:sp>
+      <p:sp>
+        <p:nvSpPr>
+          <p:cNvPr id="230" name="PlaceHolder 3"/>
+          <p:cNvSpPr>
+            <a:spLocks noGrp="1"/>
+          </p:cNvSpPr>
+          <p:nvPr>
+            <p:ph type="body"/>
+          </p:nvPr>
+        </p:nvSpPr>
+        <p:spPr>
+          <a:xfrm>
+            <a:off x="4674240" y="1203480"/>
+            <a:ext cx="4015800" cy="1422720"/>
+          </a:xfrm>
+          <a:prstGeom prst="rect">
+            <a:avLst/>
+          </a:prstGeom>
+        </p:spPr>
+        <p:txBody>
+          <a:bodyPr lIns="0" rIns="0" tIns="0" bIns="0">
+            <a:normAutofit/>
+          </a:bodyPr>
+          <a:p>
+            <a:endParaRPr b="0" lang="en-US" sz="3200" spc="-1" strike="noStrike">
+              <a:latin typeface="Arial"/>
+            </a:endParaRPr>
+          </a:p>
+        </p:txBody>
+      </p:sp>
+      <p:sp>
+        <p:nvSpPr>
+          <p:cNvPr id="231" name="PlaceHolder 4"/>
+          <p:cNvSpPr>
+            <a:spLocks noGrp="1"/>
+          </p:cNvSpPr>
+          <p:nvPr>
+            <p:ph type="body"/>
+          </p:nvPr>
+        </p:nvSpPr>
+        <p:spPr>
+          <a:xfrm>
+            <a:off x="457200" y="2761920"/>
+            <a:ext cx="8229240" cy="1422720"/>
+          </a:xfrm>
+          <a:prstGeom prst="rect">
+            <a:avLst/>
+          </a:prstGeom>
+        </p:spPr>
+        <p:txBody>
+          <a:bodyPr lIns="0" rIns="0" tIns="0" bIns="0">
+            <a:normAutofit/>
+          </a:bodyPr>
+          <a:p>
+            <a:endParaRPr b="0" lang="en-US" sz="3200" spc="-1" strike="noStrike">
+              <a:latin typeface="Arial"/>
+            </a:endParaRPr>
+          </a:p>
+        </p:txBody>
+      </p:sp>
+    </p:spTree>
+  </p:cSld>
+</p:sldLayout>
+</file>
+
 <file path=ppt/slideLayouts/slideLayout7.xml><?xml version="1.0" encoding="utf-8"?>
 <p:sldLayout xmlns:a="http://schemas.openxmlformats.org/drawingml/2006/main" xmlns:p="http://schemas.openxmlformats.org/presentationml/2006/main" xmlns:r="http://schemas.openxmlformats.org/officeDocument/2006/relationships" xmlns:p14="http://schemas.microsoft.com/office/powerpoint/2010/main" xmlns:p15="http://schemas.microsoft.com/office/powerpoint/2012/main" xmlns:mc="http://schemas.openxmlformats.org/markup-compatibility/2006" type="twoObjAndObj" preserve="1">
   <p:cSld name="Title, 2 Content and Content">
@@ -6499,6 +7338,525 @@
           <a:xfrm>
             <a:off x="457200" y="2761920"/>
             <a:ext cx="4015800" cy="1422720"/>
+          </a:xfrm>
+          <a:prstGeom prst="rect">
+            <a:avLst/>
+          </a:prstGeom>
+        </p:spPr>
+        <p:txBody>
+          <a:bodyPr lIns="0" rIns="0" tIns="0" bIns="0">
+            <a:normAutofit/>
+          </a:bodyPr>
+          <a:p>
+            <a:endParaRPr b="0" lang="en-US" sz="3200" spc="-1" strike="noStrike">
+              <a:latin typeface="Arial"/>
+            </a:endParaRPr>
+          </a:p>
+        </p:txBody>
+      </p:sp>
+    </p:spTree>
+  </p:cSld>
+</p:sldLayout>
+</file>
+
+<file path=ppt/slideLayouts/slideLayout70.xml><?xml version="1.0" encoding="utf-8"?>
+<p:sldLayout xmlns:a="http://schemas.openxmlformats.org/drawingml/2006/main" xmlns:p="http://schemas.openxmlformats.org/presentationml/2006/main" xmlns:r="http://schemas.openxmlformats.org/officeDocument/2006/relationships" xmlns:p14="http://schemas.microsoft.com/office/powerpoint/2010/main" xmlns:p15="http://schemas.microsoft.com/office/powerpoint/2012/main" xmlns:mc="http://schemas.openxmlformats.org/markup-compatibility/2006" type="objOverTx" preserve="1">
+  <p:cSld name="Title, Content over Content">
+    <p:spTree>
+      <p:nvGrpSpPr>
+        <p:cNvPr id="1" name=""/>
+        <p:cNvGrpSpPr/>
+        <p:nvPr/>
+      </p:nvGrpSpPr>
+      <p:grpSpPr>
+        <a:xfrm>
+          <a:off x="0" y="0"/>
+          <a:ext cx="0" cy="0"/>
+          <a:chOff x="0" y="0"/>
+          <a:chExt cx="0" cy="0"/>
+        </a:xfrm>
+      </p:grpSpPr>
+      <p:sp>
+        <p:nvSpPr>
+          <p:cNvPr id="232" name="PlaceHolder 1"/>
+          <p:cNvSpPr>
+            <a:spLocks noGrp="1"/>
+          </p:cNvSpPr>
+          <p:nvPr>
+            <p:ph type="title"/>
+          </p:nvPr>
+        </p:nvSpPr>
+        <p:spPr>
+          <a:xfrm>
+            <a:off x="457200" y="205200"/>
+            <a:ext cx="8229240" cy="858600"/>
+          </a:xfrm>
+          <a:prstGeom prst="rect">
+            <a:avLst/>
+          </a:prstGeom>
+        </p:spPr>
+        <p:txBody>
+          <a:bodyPr lIns="0" rIns="0" tIns="0" bIns="0" anchor="ctr">
+            <a:spAutoFit/>
+          </a:bodyPr>
+          <a:p>
+            <a:pPr algn="ctr"/>
+            <a:endParaRPr b="0" lang="en-US" sz="4400" spc="-1" strike="noStrike">
+              <a:latin typeface="Arial"/>
+            </a:endParaRPr>
+          </a:p>
+        </p:txBody>
+      </p:sp>
+      <p:sp>
+        <p:nvSpPr>
+          <p:cNvPr id="233" name="PlaceHolder 2"/>
+          <p:cNvSpPr>
+            <a:spLocks noGrp="1"/>
+          </p:cNvSpPr>
+          <p:nvPr>
+            <p:ph type="body"/>
+          </p:nvPr>
+        </p:nvSpPr>
+        <p:spPr>
+          <a:xfrm>
+            <a:off x="457200" y="1203480"/>
+            <a:ext cx="8229240" cy="1422720"/>
+          </a:xfrm>
+          <a:prstGeom prst="rect">
+            <a:avLst/>
+          </a:prstGeom>
+        </p:spPr>
+        <p:txBody>
+          <a:bodyPr lIns="0" rIns="0" tIns="0" bIns="0">
+            <a:normAutofit/>
+          </a:bodyPr>
+          <a:p>
+            <a:endParaRPr b="0" lang="en-US" sz="3200" spc="-1" strike="noStrike">
+              <a:latin typeface="Arial"/>
+            </a:endParaRPr>
+          </a:p>
+        </p:txBody>
+      </p:sp>
+      <p:sp>
+        <p:nvSpPr>
+          <p:cNvPr id="234" name="PlaceHolder 3"/>
+          <p:cNvSpPr>
+            <a:spLocks noGrp="1"/>
+          </p:cNvSpPr>
+          <p:nvPr>
+            <p:ph type="body"/>
+          </p:nvPr>
+        </p:nvSpPr>
+        <p:spPr>
+          <a:xfrm>
+            <a:off x="457200" y="2761920"/>
+            <a:ext cx="8229240" cy="1422720"/>
+          </a:xfrm>
+          <a:prstGeom prst="rect">
+            <a:avLst/>
+          </a:prstGeom>
+        </p:spPr>
+        <p:txBody>
+          <a:bodyPr lIns="0" rIns="0" tIns="0" bIns="0">
+            <a:normAutofit/>
+          </a:bodyPr>
+          <a:p>
+            <a:endParaRPr b="0" lang="en-US" sz="3200" spc="-1" strike="noStrike">
+              <a:latin typeface="Arial"/>
+            </a:endParaRPr>
+          </a:p>
+        </p:txBody>
+      </p:sp>
+    </p:spTree>
+  </p:cSld>
+</p:sldLayout>
+</file>
+
+<file path=ppt/slideLayouts/slideLayout71.xml><?xml version="1.0" encoding="utf-8"?>
+<p:sldLayout xmlns:a="http://schemas.openxmlformats.org/drawingml/2006/main" xmlns:p="http://schemas.openxmlformats.org/presentationml/2006/main" xmlns:r="http://schemas.openxmlformats.org/officeDocument/2006/relationships" xmlns:p14="http://schemas.microsoft.com/office/powerpoint/2010/main" xmlns:p15="http://schemas.microsoft.com/office/powerpoint/2012/main" xmlns:mc="http://schemas.openxmlformats.org/markup-compatibility/2006" type="fourObj" preserve="1">
+  <p:cSld name="Title, 4 Content">
+    <p:spTree>
+      <p:nvGrpSpPr>
+        <p:cNvPr id="1" name=""/>
+        <p:cNvGrpSpPr/>
+        <p:nvPr/>
+      </p:nvGrpSpPr>
+      <p:grpSpPr>
+        <a:xfrm>
+          <a:off x="0" y="0"/>
+          <a:ext cx="0" cy="0"/>
+          <a:chOff x="0" y="0"/>
+          <a:chExt cx="0" cy="0"/>
+        </a:xfrm>
+      </p:grpSpPr>
+      <p:sp>
+        <p:nvSpPr>
+          <p:cNvPr id="235" name="PlaceHolder 1"/>
+          <p:cNvSpPr>
+            <a:spLocks noGrp="1"/>
+          </p:cNvSpPr>
+          <p:nvPr>
+            <p:ph type="title"/>
+          </p:nvPr>
+        </p:nvSpPr>
+        <p:spPr>
+          <a:xfrm>
+            <a:off x="457200" y="205200"/>
+            <a:ext cx="8229240" cy="858600"/>
+          </a:xfrm>
+          <a:prstGeom prst="rect">
+            <a:avLst/>
+          </a:prstGeom>
+        </p:spPr>
+        <p:txBody>
+          <a:bodyPr lIns="0" rIns="0" tIns="0" bIns="0" anchor="ctr">
+            <a:spAutoFit/>
+          </a:bodyPr>
+          <a:p>
+            <a:pPr algn="ctr"/>
+            <a:endParaRPr b="0" lang="en-US" sz="4400" spc="-1" strike="noStrike">
+              <a:latin typeface="Arial"/>
+            </a:endParaRPr>
+          </a:p>
+        </p:txBody>
+      </p:sp>
+      <p:sp>
+        <p:nvSpPr>
+          <p:cNvPr id="236" name="PlaceHolder 2"/>
+          <p:cNvSpPr>
+            <a:spLocks noGrp="1"/>
+          </p:cNvSpPr>
+          <p:nvPr>
+            <p:ph type="body"/>
+          </p:nvPr>
+        </p:nvSpPr>
+        <p:spPr>
+          <a:xfrm>
+            <a:off x="457200" y="1203480"/>
+            <a:ext cx="4015800" cy="1422720"/>
+          </a:xfrm>
+          <a:prstGeom prst="rect">
+            <a:avLst/>
+          </a:prstGeom>
+        </p:spPr>
+        <p:txBody>
+          <a:bodyPr lIns="0" rIns="0" tIns="0" bIns="0">
+            <a:normAutofit/>
+          </a:bodyPr>
+          <a:p>
+            <a:endParaRPr b="0" lang="en-US" sz="3200" spc="-1" strike="noStrike">
+              <a:latin typeface="Arial"/>
+            </a:endParaRPr>
+          </a:p>
+        </p:txBody>
+      </p:sp>
+      <p:sp>
+        <p:nvSpPr>
+          <p:cNvPr id="237" name="PlaceHolder 3"/>
+          <p:cNvSpPr>
+            <a:spLocks noGrp="1"/>
+          </p:cNvSpPr>
+          <p:nvPr>
+            <p:ph type="body"/>
+          </p:nvPr>
+        </p:nvSpPr>
+        <p:spPr>
+          <a:xfrm>
+            <a:off x="4674240" y="1203480"/>
+            <a:ext cx="4015800" cy="1422720"/>
+          </a:xfrm>
+          <a:prstGeom prst="rect">
+            <a:avLst/>
+          </a:prstGeom>
+        </p:spPr>
+        <p:txBody>
+          <a:bodyPr lIns="0" rIns="0" tIns="0" bIns="0">
+            <a:normAutofit/>
+          </a:bodyPr>
+          <a:p>
+            <a:endParaRPr b="0" lang="en-US" sz="3200" spc="-1" strike="noStrike">
+              <a:latin typeface="Arial"/>
+            </a:endParaRPr>
+          </a:p>
+        </p:txBody>
+      </p:sp>
+      <p:sp>
+        <p:nvSpPr>
+          <p:cNvPr id="238" name="PlaceHolder 4"/>
+          <p:cNvSpPr>
+            <a:spLocks noGrp="1"/>
+          </p:cNvSpPr>
+          <p:nvPr>
+            <p:ph type="body"/>
+          </p:nvPr>
+        </p:nvSpPr>
+        <p:spPr>
+          <a:xfrm>
+            <a:off x="457200" y="2761920"/>
+            <a:ext cx="4015800" cy="1422720"/>
+          </a:xfrm>
+          <a:prstGeom prst="rect">
+            <a:avLst/>
+          </a:prstGeom>
+        </p:spPr>
+        <p:txBody>
+          <a:bodyPr lIns="0" rIns="0" tIns="0" bIns="0">
+            <a:normAutofit/>
+          </a:bodyPr>
+          <a:p>
+            <a:endParaRPr b="0" lang="en-US" sz="3200" spc="-1" strike="noStrike">
+              <a:latin typeface="Arial"/>
+            </a:endParaRPr>
+          </a:p>
+        </p:txBody>
+      </p:sp>
+      <p:sp>
+        <p:nvSpPr>
+          <p:cNvPr id="239" name="PlaceHolder 5"/>
+          <p:cNvSpPr>
+            <a:spLocks noGrp="1"/>
+          </p:cNvSpPr>
+          <p:nvPr>
+            <p:ph type="body"/>
+          </p:nvPr>
+        </p:nvSpPr>
+        <p:spPr>
+          <a:xfrm>
+            <a:off x="4674240" y="2761920"/>
+            <a:ext cx="4015800" cy="1422720"/>
+          </a:xfrm>
+          <a:prstGeom prst="rect">
+            <a:avLst/>
+          </a:prstGeom>
+        </p:spPr>
+        <p:txBody>
+          <a:bodyPr lIns="0" rIns="0" tIns="0" bIns="0">
+            <a:normAutofit/>
+          </a:bodyPr>
+          <a:p>
+            <a:endParaRPr b="0" lang="en-US" sz="3200" spc="-1" strike="noStrike">
+              <a:latin typeface="Arial"/>
+            </a:endParaRPr>
+          </a:p>
+        </p:txBody>
+      </p:sp>
+    </p:spTree>
+  </p:cSld>
+</p:sldLayout>
+</file>
+
+<file path=ppt/slideLayouts/slideLayout72.xml><?xml version="1.0" encoding="utf-8"?>
+<p:sldLayout xmlns:a="http://schemas.openxmlformats.org/drawingml/2006/main" xmlns:p="http://schemas.openxmlformats.org/presentationml/2006/main" xmlns:r="http://schemas.openxmlformats.org/officeDocument/2006/relationships" xmlns:p14="http://schemas.microsoft.com/office/powerpoint/2010/main" xmlns:p15="http://schemas.microsoft.com/office/powerpoint/2012/main" xmlns:mc="http://schemas.openxmlformats.org/markup-compatibility/2006" type="blank" preserve="1">
+  <p:cSld name="Title, 6 Content">
+    <p:spTree>
+      <p:nvGrpSpPr>
+        <p:cNvPr id="1" name=""/>
+        <p:cNvGrpSpPr/>
+        <p:nvPr/>
+      </p:nvGrpSpPr>
+      <p:grpSpPr>
+        <a:xfrm>
+          <a:off x="0" y="0"/>
+          <a:ext cx="0" cy="0"/>
+          <a:chOff x="0" y="0"/>
+          <a:chExt cx="0" cy="0"/>
+        </a:xfrm>
+      </p:grpSpPr>
+      <p:sp>
+        <p:nvSpPr>
+          <p:cNvPr id="240" name="PlaceHolder 1"/>
+          <p:cNvSpPr>
+            <a:spLocks noGrp="1"/>
+          </p:cNvSpPr>
+          <p:nvPr>
+            <p:ph type="title"/>
+          </p:nvPr>
+        </p:nvSpPr>
+        <p:spPr>
+          <a:xfrm>
+            <a:off x="457200" y="205200"/>
+            <a:ext cx="8229240" cy="858600"/>
+          </a:xfrm>
+          <a:prstGeom prst="rect">
+            <a:avLst/>
+          </a:prstGeom>
+        </p:spPr>
+        <p:txBody>
+          <a:bodyPr lIns="0" rIns="0" tIns="0" bIns="0" anchor="ctr">
+            <a:spAutoFit/>
+          </a:bodyPr>
+          <a:p>
+            <a:pPr algn="ctr"/>
+            <a:endParaRPr b="0" lang="en-US" sz="4400" spc="-1" strike="noStrike">
+              <a:latin typeface="Arial"/>
+            </a:endParaRPr>
+          </a:p>
+        </p:txBody>
+      </p:sp>
+      <p:sp>
+        <p:nvSpPr>
+          <p:cNvPr id="241" name="PlaceHolder 2"/>
+          <p:cNvSpPr>
+            <a:spLocks noGrp="1"/>
+          </p:cNvSpPr>
+          <p:nvPr>
+            <p:ph type="body"/>
+          </p:nvPr>
+        </p:nvSpPr>
+        <p:spPr>
+          <a:xfrm>
+            <a:off x="457200" y="1203480"/>
+            <a:ext cx="2649600" cy="1422720"/>
+          </a:xfrm>
+          <a:prstGeom prst="rect">
+            <a:avLst/>
+          </a:prstGeom>
+        </p:spPr>
+        <p:txBody>
+          <a:bodyPr lIns="0" rIns="0" tIns="0" bIns="0">
+            <a:normAutofit/>
+          </a:bodyPr>
+          <a:p>
+            <a:endParaRPr b="0" lang="en-US" sz="3200" spc="-1" strike="noStrike">
+              <a:latin typeface="Arial"/>
+            </a:endParaRPr>
+          </a:p>
+        </p:txBody>
+      </p:sp>
+      <p:sp>
+        <p:nvSpPr>
+          <p:cNvPr id="242" name="PlaceHolder 3"/>
+          <p:cNvSpPr>
+            <a:spLocks noGrp="1"/>
+          </p:cNvSpPr>
+          <p:nvPr>
+            <p:ph type="body"/>
+          </p:nvPr>
+        </p:nvSpPr>
+        <p:spPr>
+          <a:xfrm>
+            <a:off x="3239640" y="1203480"/>
+            <a:ext cx="2649600" cy="1422720"/>
+          </a:xfrm>
+          <a:prstGeom prst="rect">
+            <a:avLst/>
+          </a:prstGeom>
+        </p:spPr>
+        <p:txBody>
+          <a:bodyPr lIns="0" rIns="0" tIns="0" bIns="0">
+            <a:normAutofit/>
+          </a:bodyPr>
+          <a:p>
+            <a:endParaRPr b="0" lang="en-US" sz="3200" spc="-1" strike="noStrike">
+              <a:latin typeface="Arial"/>
+            </a:endParaRPr>
+          </a:p>
+        </p:txBody>
+      </p:sp>
+      <p:sp>
+        <p:nvSpPr>
+          <p:cNvPr id="243" name="PlaceHolder 4"/>
+          <p:cNvSpPr>
+            <a:spLocks noGrp="1"/>
+          </p:cNvSpPr>
+          <p:nvPr>
+            <p:ph type="body"/>
+          </p:nvPr>
+        </p:nvSpPr>
+        <p:spPr>
+          <a:xfrm>
+            <a:off x="6022080" y="1203480"/>
+            <a:ext cx="2649600" cy="1422720"/>
+          </a:xfrm>
+          <a:prstGeom prst="rect">
+            <a:avLst/>
+          </a:prstGeom>
+        </p:spPr>
+        <p:txBody>
+          <a:bodyPr lIns="0" rIns="0" tIns="0" bIns="0">
+            <a:normAutofit/>
+          </a:bodyPr>
+          <a:p>
+            <a:endParaRPr b="0" lang="en-US" sz="3200" spc="-1" strike="noStrike">
+              <a:latin typeface="Arial"/>
+            </a:endParaRPr>
+          </a:p>
+        </p:txBody>
+      </p:sp>
+      <p:sp>
+        <p:nvSpPr>
+          <p:cNvPr id="244" name="PlaceHolder 5"/>
+          <p:cNvSpPr>
+            <a:spLocks noGrp="1"/>
+          </p:cNvSpPr>
+          <p:nvPr>
+            <p:ph type="body"/>
+          </p:nvPr>
+        </p:nvSpPr>
+        <p:spPr>
+          <a:xfrm>
+            <a:off x="457200" y="2761920"/>
+            <a:ext cx="2649600" cy="1422720"/>
+          </a:xfrm>
+          <a:prstGeom prst="rect">
+            <a:avLst/>
+          </a:prstGeom>
+        </p:spPr>
+        <p:txBody>
+          <a:bodyPr lIns="0" rIns="0" tIns="0" bIns="0">
+            <a:normAutofit/>
+          </a:bodyPr>
+          <a:p>
+            <a:endParaRPr b="0" lang="en-US" sz="3200" spc="-1" strike="noStrike">
+              <a:latin typeface="Arial"/>
+            </a:endParaRPr>
+          </a:p>
+        </p:txBody>
+      </p:sp>
+      <p:sp>
+        <p:nvSpPr>
+          <p:cNvPr id="245" name="PlaceHolder 6"/>
+          <p:cNvSpPr>
+            <a:spLocks noGrp="1"/>
+          </p:cNvSpPr>
+          <p:nvPr>
+            <p:ph type="body"/>
+          </p:nvPr>
+        </p:nvSpPr>
+        <p:spPr>
+          <a:xfrm>
+            <a:off x="3239640" y="2761920"/>
+            <a:ext cx="2649600" cy="1422720"/>
+          </a:xfrm>
+          <a:prstGeom prst="rect">
+            <a:avLst/>
+          </a:prstGeom>
+        </p:spPr>
+        <p:txBody>
+          <a:bodyPr lIns="0" rIns="0" tIns="0" bIns="0">
+            <a:normAutofit/>
+          </a:bodyPr>
+          <a:p>
+            <a:endParaRPr b="0" lang="en-US" sz="3200" spc="-1" strike="noStrike">
+              <a:latin typeface="Arial"/>
+            </a:endParaRPr>
+          </a:p>
+        </p:txBody>
+      </p:sp>
+      <p:sp>
+        <p:nvSpPr>
+          <p:cNvPr id="246" name="PlaceHolder 7"/>
+          <p:cNvSpPr>
+            <a:spLocks noGrp="1"/>
+          </p:cNvSpPr>
+          <p:nvPr>
+            <p:ph type="body"/>
+          </p:nvPr>
+        </p:nvSpPr>
+        <p:spPr>
+          <a:xfrm>
+            <a:off x="6022080" y="2761920"/>
+            <a:ext cx="2649600" cy="1422720"/>
           </a:xfrm>
           <a:prstGeom prst="rect">
             <a:avLst/>
@@ -6843,7 +8201,7 @@
         <p:spPr>
           <a:xfrm>
             <a:off x="0" y="0"/>
-            <a:ext cx="9142200" cy="5141880"/>
+            <a:ext cx="9141840" cy="5141520"/>
           </a:xfrm>
           <a:prstGeom prst="rect">
             <a:avLst/>
@@ -6862,7 +8220,7 @@
         <p:spPr>
           <a:xfrm>
             <a:off x="3879360" y="972000"/>
-            <a:ext cx="255600" cy="255600"/>
+            <a:ext cx="255240" cy="255240"/>
           </a:xfrm>
           <a:prstGeom prst="ellipse">
             <a:avLst/>
@@ -6889,8 +8247,8 @@
         </p:nvSpPr>
         <p:spPr>
           <a:xfrm rot="10800000">
-            <a:off x="4212360" y="2687400"/>
-            <a:ext cx="1968480" cy="360"/>
+            <a:off x="4212720" y="2687040"/>
+            <a:ext cx="1968120" cy="360"/>
           </a:xfrm>
           <a:custGeom>
             <a:avLst/>
@@ -6933,7 +8291,7 @@
         <p:spPr>
           <a:xfrm>
             <a:off x="8941680" y="650520"/>
-            <a:ext cx="200520" cy="4244760"/>
+            <a:ext cx="200160" cy="4244400"/>
           </a:xfrm>
           <a:prstGeom prst="rect">
             <a:avLst/>
@@ -6973,17 +8331,16 @@
         </p:spPr>
         <p:txBody>
           <a:bodyPr lIns="0" rIns="0" tIns="0" bIns="0" anchor="ctr">
-            <a:noAutofit/>
-          </a:bodyPr>
-          <a:p>
-            <a:pPr algn="ctr"/>
+            <a:spAutoFit/>
+          </a:bodyPr>
+          <a:p>
             <a:r>
-              <a:rPr b="0" lang="en-US" sz="4400" spc="-1" strike="noStrike">
+              <a:rPr b="0" lang="en-US" sz="1800" spc="-1" strike="noStrike">
                 <a:latin typeface="Arial"/>
               </a:rPr>
               <a:t>Click to edit the title text format</a:t>
             </a:r>
-            <a:endParaRPr b="0" lang="en-US" sz="4400" spc="-1" strike="noStrike">
+            <a:endParaRPr b="0" lang="en-US" sz="1800" spc="-1" strike="noStrike">
               <a:latin typeface="Arial"/>
             </a:endParaRPr>
           </a:p>
@@ -7002,7 +8359,7 @@
         <p:spPr>
           <a:xfrm>
             <a:off x="457200" y="1203480"/>
-            <a:ext cx="8229240" cy="2982960"/>
+            <a:ext cx="8228880" cy="2982600"/>
           </a:xfrm>
           <a:prstGeom prst="rect">
             <a:avLst/>
@@ -7025,12 +8382,12 @@
               <a:buChar char=""/>
             </a:pPr>
             <a:r>
-              <a:rPr b="0" lang="en-US" sz="3200" spc="-1" strike="noStrike">
+              <a:rPr b="0" lang="en-US" sz="1800" spc="-1" strike="noStrike">
                 <a:latin typeface="Arial"/>
               </a:rPr>
               <a:t>Click to edit the outline text format</a:t>
             </a:r>
-            <a:endParaRPr b="0" lang="en-US" sz="3200" spc="-1" strike="noStrike">
+            <a:endParaRPr b="0" lang="en-US" sz="1800" spc="-1" strike="noStrike">
               <a:latin typeface="Arial"/>
             </a:endParaRPr>
           </a:p>
@@ -7047,12 +8404,12 @@
               <a:buChar char=""/>
             </a:pPr>
             <a:r>
-              <a:rPr b="0" lang="en-US" sz="2800" spc="-1" strike="noStrike">
+              <a:rPr b="0" lang="en-US" sz="1800" spc="-1" strike="noStrike">
                 <a:latin typeface="Arial"/>
               </a:rPr>
               <a:t>Second Outline Level</a:t>
             </a:r>
-            <a:endParaRPr b="0" lang="en-US" sz="2800" spc="-1" strike="noStrike">
+            <a:endParaRPr b="0" lang="en-US" sz="1800" spc="-1" strike="noStrike">
               <a:latin typeface="Arial"/>
             </a:endParaRPr>
           </a:p>
@@ -7069,12 +8426,12 @@
               <a:buChar char=""/>
             </a:pPr>
             <a:r>
-              <a:rPr b="0" lang="en-US" sz="2400" spc="-1" strike="noStrike">
+              <a:rPr b="0" lang="en-US" sz="1800" spc="-1" strike="noStrike">
                 <a:latin typeface="Arial"/>
               </a:rPr>
               <a:t>Third Outline Level</a:t>
             </a:r>
-            <a:endParaRPr b="0" lang="en-US" sz="2400" spc="-1" strike="noStrike">
+            <a:endParaRPr b="0" lang="en-US" sz="1800" spc="-1" strike="noStrike">
               <a:latin typeface="Arial"/>
             </a:endParaRPr>
           </a:p>
@@ -7091,12 +8448,12 @@
               <a:buChar char=""/>
             </a:pPr>
             <a:r>
-              <a:rPr b="0" lang="en-US" sz="2000" spc="-1" strike="noStrike">
+              <a:rPr b="0" lang="en-US" sz="1800" spc="-1" strike="noStrike">
                 <a:latin typeface="Arial"/>
               </a:rPr>
               <a:t>Fourth Outline Level</a:t>
             </a:r>
-            <a:endParaRPr b="0" lang="en-US" sz="2000" spc="-1" strike="noStrike">
+            <a:endParaRPr b="0" lang="en-US" sz="1800" spc="-1" strike="noStrike">
               <a:latin typeface="Arial"/>
             </a:endParaRPr>
           </a:p>
@@ -7113,12 +8470,12 @@
               <a:buChar char=""/>
             </a:pPr>
             <a:r>
-              <a:rPr b="0" lang="en-US" sz="2000" spc="-1" strike="noStrike">
+              <a:rPr b="0" lang="en-US" sz="1800" spc="-1" strike="noStrike">
                 <a:latin typeface="Arial"/>
               </a:rPr>
               <a:t>Fifth Outline Level</a:t>
             </a:r>
-            <a:endParaRPr b="0" lang="en-US" sz="2000" spc="-1" strike="noStrike">
+            <a:endParaRPr b="0" lang="en-US" sz="1800" spc="-1" strike="noStrike">
               <a:latin typeface="Arial"/>
             </a:endParaRPr>
           </a:p>
@@ -7135,12 +8492,12 @@
               <a:buChar char=""/>
             </a:pPr>
             <a:r>
-              <a:rPr b="0" lang="en-US" sz="2000" spc="-1" strike="noStrike">
+              <a:rPr b="0" lang="en-US" sz="1800" spc="-1" strike="noStrike">
                 <a:latin typeface="Arial"/>
               </a:rPr>
               <a:t>Sixth Outline Level</a:t>
             </a:r>
-            <a:endParaRPr b="0" lang="en-US" sz="2000" spc="-1" strike="noStrike">
+            <a:endParaRPr b="0" lang="en-US" sz="1800" spc="-1" strike="noStrike">
               <a:latin typeface="Arial"/>
             </a:endParaRPr>
           </a:p>
@@ -7157,12 +8514,12 @@
               <a:buChar char=""/>
             </a:pPr>
             <a:r>
-              <a:rPr b="0" lang="en-US" sz="2000" spc="-1" strike="noStrike">
+              <a:rPr b="0" lang="en-US" sz="1800" spc="-1" strike="noStrike">
                 <a:latin typeface="Arial"/>
               </a:rPr>
               <a:t>Seventh Outline Level</a:t>
             </a:r>
-            <a:endParaRPr b="0" lang="en-US" sz="2000" spc="-1" strike="noStrike">
+            <a:endParaRPr b="0" lang="en-US" sz="1800" spc="-1" strike="noStrike">
               <a:latin typeface="Arial"/>
             </a:endParaRPr>
           </a:p>
@@ -7225,7 +8582,7 @@
         <p:spPr>
           <a:xfrm>
             <a:off x="9605160" y="1373400"/>
-            <a:ext cx="226800" cy="1427040"/>
+            <a:ext cx="226440" cy="1426680"/>
           </a:xfrm>
           <a:prstGeom prst="rect">
             <a:avLst/>
@@ -7248,7 +8605,7 @@
         <p:spPr>
           <a:xfrm>
             <a:off x="0" y="0"/>
-            <a:ext cx="9142200" cy="5141880"/>
+            <a:ext cx="9141840" cy="5141520"/>
           </a:xfrm>
           <a:prstGeom prst="rect">
             <a:avLst/>
@@ -7267,7 +8624,7 @@
         <p:spPr>
           <a:xfrm>
             <a:off x="713880" y="741240"/>
-            <a:ext cx="277920" cy="277920"/>
+            <a:ext cx="277560" cy="277560"/>
           </a:xfrm>
           <a:prstGeom prst="rect">
             <a:avLst/>
@@ -7559,7 +8916,7 @@
         <p:spPr>
           <a:xfrm>
             <a:off x="9605160" y="1373400"/>
-            <a:ext cx="226800" cy="1427040"/>
+            <a:ext cx="226440" cy="1426680"/>
           </a:xfrm>
           <a:prstGeom prst="rect">
             <a:avLst/>
@@ -7582,7 +8939,7 @@
         <p:spPr>
           <a:xfrm>
             <a:off x="0" y="0"/>
-            <a:ext cx="9142200" cy="5141880"/>
+            <a:ext cx="9141840" cy="5141520"/>
           </a:xfrm>
           <a:prstGeom prst="rect">
             <a:avLst/>
@@ -7601,7 +8958,7 @@
         <p:spPr>
           <a:xfrm>
             <a:off x="713880" y="741240"/>
-            <a:ext cx="277920" cy="277920"/>
+            <a:ext cx="277560" cy="277560"/>
           </a:xfrm>
           <a:prstGeom prst="rect">
             <a:avLst/>
@@ -7893,7 +9250,7 @@
         <p:spPr>
           <a:xfrm>
             <a:off x="9605160" y="1373400"/>
-            <a:ext cx="226800" cy="1427040"/>
+            <a:ext cx="226440" cy="1426680"/>
           </a:xfrm>
           <a:prstGeom prst="rect">
             <a:avLst/>
@@ -7916,7 +9273,7 @@
         <p:spPr>
           <a:xfrm>
             <a:off x="0" y="0"/>
-            <a:ext cx="9142200" cy="5141880"/>
+            <a:ext cx="9141840" cy="5141520"/>
           </a:xfrm>
           <a:prstGeom prst="rect">
             <a:avLst/>
@@ -7935,7 +9292,7 @@
         <p:spPr>
           <a:xfrm>
             <a:off x="713880" y="741240"/>
-            <a:ext cx="277920" cy="277920"/>
+            <a:ext cx="277560" cy="277560"/>
           </a:xfrm>
           <a:prstGeom prst="rect">
             <a:avLst/>
@@ -8227,7 +9584,7 @@
         <p:spPr>
           <a:xfrm>
             <a:off x="9605160" y="1373400"/>
-            <a:ext cx="226800" cy="1427040"/>
+            <a:ext cx="226440" cy="1426680"/>
           </a:xfrm>
           <a:prstGeom prst="rect">
             <a:avLst/>
@@ -8250,7 +9607,7 @@
         <p:spPr>
           <a:xfrm>
             <a:off x="0" y="0"/>
-            <a:ext cx="9142200" cy="5141880"/>
+            <a:ext cx="9141840" cy="5141520"/>
           </a:xfrm>
           <a:prstGeom prst="rect">
             <a:avLst/>
@@ -8269,7 +9626,7 @@
         <p:spPr>
           <a:xfrm>
             <a:off x="713880" y="741240"/>
-            <a:ext cx="277920" cy="277920"/>
+            <a:ext cx="277560" cy="277560"/>
           </a:xfrm>
           <a:prstGeom prst="rect">
             <a:avLst/>
@@ -8520,6 +9877,340 @@
     <p:sldLayoutId id="2147483710" r:id="rId13"/>
     <p:sldLayoutId id="2147483711" r:id="rId14"/>
     <p:sldLayoutId id="2147483712" r:id="rId15"/>
+  </p:sldLayoutIdLst>
+</p:sldMaster>
+</file>
+
+<file path=ppt/slideMasters/slideMaster6.xml><?xml version="1.0" encoding="utf-8"?>
+<p:sldMaster xmlns:a="http://schemas.openxmlformats.org/drawingml/2006/main" xmlns:p="http://schemas.openxmlformats.org/presentationml/2006/main" xmlns:r="http://schemas.openxmlformats.org/officeDocument/2006/relationships" xmlns:p14="http://schemas.microsoft.com/office/powerpoint/2010/main" xmlns:p15="http://schemas.microsoft.com/office/powerpoint/2012/main" xmlns:mc="http://schemas.openxmlformats.org/markup-compatibility/2006">
+  <p:cSld>
+    <p:bg>
+      <p:bgPr>
+        <a:solidFill>
+          <a:srgbClr val="ffffff"/>
+        </a:solidFill>
+      </p:bgPr>
+    </p:bg>
+    <p:spTree>
+      <p:nvGrpSpPr>
+        <p:cNvPr id="1" name=""/>
+        <p:cNvGrpSpPr/>
+        <p:nvPr/>
+      </p:nvGrpSpPr>
+      <p:grpSpPr>
+        <a:xfrm>
+          <a:off x="0" y="0"/>
+          <a:ext cx="0" cy="0"/>
+          <a:chOff x="0" y="0"/>
+          <a:chExt cx="0" cy="0"/>
+        </a:xfrm>
+      </p:grpSpPr>
+      <p:pic>
+        <p:nvPicPr>
+          <p:cNvPr id="206" name="Google Shape;62;p15" descr=""/>
+          <p:cNvPicPr/>
+          <p:nvPr/>
+        </p:nvPicPr>
+        <p:blipFill>
+          <a:blip r:embed="rId2"/>
+          <a:stretch/>
+        </p:blipFill>
+        <p:spPr>
+          <a:xfrm>
+            <a:off x="9605160" y="1373400"/>
+            <a:ext cx="226440" cy="1426680"/>
+          </a:xfrm>
+          <a:prstGeom prst="rect">
+            <a:avLst/>
+          </a:prstGeom>
+          <a:ln>
+            <a:noFill/>
+          </a:ln>
+        </p:spPr>
+      </p:pic>
+      <p:pic>
+        <p:nvPicPr>
+          <p:cNvPr id="207" name="Google Shape;63;p15" descr=""/>
+          <p:cNvPicPr/>
+          <p:nvPr/>
+        </p:nvPicPr>
+        <p:blipFill>
+          <a:blip r:embed="rId3"/>
+          <a:stretch/>
+        </p:blipFill>
+        <p:spPr>
+          <a:xfrm>
+            <a:off x="0" y="0"/>
+            <a:ext cx="9141840" cy="5141520"/>
+          </a:xfrm>
+          <a:prstGeom prst="rect">
+            <a:avLst/>
+          </a:prstGeom>
+          <a:ln>
+            <a:noFill/>
+          </a:ln>
+        </p:spPr>
+      </p:pic>
+      <p:sp>
+        <p:nvSpPr>
+          <p:cNvPr id="208" name="CustomShape 1"/>
+          <p:cNvSpPr/>
+          <p:nvPr/>
+        </p:nvSpPr>
+        <p:spPr>
+          <a:xfrm>
+            <a:off x="713880" y="741240"/>
+            <a:ext cx="277560" cy="277560"/>
+          </a:xfrm>
+          <a:prstGeom prst="rect">
+            <a:avLst/>
+          </a:prstGeom>
+          <a:solidFill>
+            <a:srgbClr val="fad825"/>
+          </a:solidFill>
+          <a:ln>
+            <a:noFill/>
+          </a:ln>
+        </p:spPr>
+        <p:style>
+          <a:lnRef idx="0"/>
+          <a:fillRef idx="0"/>
+          <a:effectRef idx="0"/>
+          <a:fontRef idx="minor"/>
+        </p:style>
+      </p:sp>
+      <p:sp>
+        <p:nvSpPr>
+          <p:cNvPr id="209" name="PlaceHolder 2"/>
+          <p:cNvSpPr>
+            <a:spLocks noGrp="1"/>
+          </p:cNvSpPr>
+          <p:nvPr>
+            <p:ph type="title"/>
+          </p:nvPr>
+        </p:nvSpPr>
+        <p:spPr>
+          <a:xfrm>
+            <a:off x="457200" y="205200"/>
+            <a:ext cx="8229240" cy="858600"/>
+          </a:xfrm>
+          <a:prstGeom prst="rect">
+            <a:avLst/>
+          </a:prstGeom>
+        </p:spPr>
+        <p:txBody>
+          <a:bodyPr lIns="0" rIns="0" tIns="0" bIns="0" anchor="ctr">
+            <a:noAutofit/>
+          </a:bodyPr>
+          <a:p>
+            <a:pPr algn="ctr"/>
+            <a:r>
+              <a:rPr b="0" lang="en-US" sz="4400" spc="-1" strike="noStrike">
+                <a:latin typeface="Arial"/>
+              </a:rPr>
+              <a:t>Click to edit the title text format</a:t>
+            </a:r>
+            <a:endParaRPr b="0" lang="en-US" sz="4400" spc="-1" strike="noStrike">
+              <a:latin typeface="Arial"/>
+            </a:endParaRPr>
+          </a:p>
+        </p:txBody>
+      </p:sp>
+      <p:sp>
+        <p:nvSpPr>
+          <p:cNvPr id="210" name="PlaceHolder 3"/>
+          <p:cNvSpPr>
+            <a:spLocks noGrp="1"/>
+          </p:cNvSpPr>
+          <p:nvPr>
+            <p:ph type="body"/>
+          </p:nvPr>
+        </p:nvSpPr>
+        <p:spPr>
+          <a:xfrm>
+            <a:off x="457200" y="1203480"/>
+            <a:ext cx="8229240" cy="2982960"/>
+          </a:xfrm>
+          <a:prstGeom prst="rect">
+            <a:avLst/>
+          </a:prstGeom>
+        </p:spPr>
+        <p:txBody>
+          <a:bodyPr lIns="0" rIns="0" tIns="0" bIns="0">
+            <a:normAutofit/>
+          </a:bodyPr>
+          <a:p>
+            <a:pPr marL="432000" indent="-324000">
+              <a:spcBef>
+                <a:spcPts val="1417"/>
+              </a:spcBef>
+              <a:buClr>
+                <a:srgbClr val="000000"/>
+              </a:buClr>
+              <a:buSzPct val="45000"/>
+              <a:buFont typeface="Wingdings" charset="2"/>
+              <a:buChar char=""/>
+            </a:pPr>
+            <a:r>
+              <a:rPr b="0" lang="en-US" sz="3200" spc="-1" strike="noStrike">
+                <a:latin typeface="Arial"/>
+              </a:rPr>
+              <a:t>Click to edit the outline text format</a:t>
+            </a:r>
+            <a:endParaRPr b="0" lang="en-US" sz="3200" spc="-1" strike="noStrike">
+              <a:latin typeface="Arial"/>
+            </a:endParaRPr>
+          </a:p>
+          <a:p>
+            <a:pPr lvl="1" marL="864000" indent="-324000">
+              <a:spcBef>
+                <a:spcPts val="1134"/>
+              </a:spcBef>
+              <a:buClr>
+                <a:srgbClr val="000000"/>
+              </a:buClr>
+              <a:buSzPct val="75000"/>
+              <a:buFont typeface="Symbol" charset="2"/>
+              <a:buChar char=""/>
+            </a:pPr>
+            <a:r>
+              <a:rPr b="0" lang="en-US" sz="2800" spc="-1" strike="noStrike">
+                <a:latin typeface="Arial"/>
+              </a:rPr>
+              <a:t>Second Outline Level</a:t>
+            </a:r>
+            <a:endParaRPr b="0" lang="en-US" sz="2800" spc="-1" strike="noStrike">
+              <a:latin typeface="Arial"/>
+            </a:endParaRPr>
+          </a:p>
+          <a:p>
+            <a:pPr lvl="2" marL="1296000" indent="-288000">
+              <a:spcBef>
+                <a:spcPts val="850"/>
+              </a:spcBef>
+              <a:buClr>
+                <a:srgbClr val="000000"/>
+              </a:buClr>
+              <a:buSzPct val="45000"/>
+              <a:buFont typeface="Wingdings" charset="2"/>
+              <a:buChar char=""/>
+            </a:pPr>
+            <a:r>
+              <a:rPr b="0" lang="en-US" sz="2400" spc="-1" strike="noStrike">
+                <a:latin typeface="Arial"/>
+              </a:rPr>
+              <a:t>Third Outline Level</a:t>
+            </a:r>
+            <a:endParaRPr b="0" lang="en-US" sz="2400" spc="-1" strike="noStrike">
+              <a:latin typeface="Arial"/>
+            </a:endParaRPr>
+          </a:p>
+          <a:p>
+            <a:pPr lvl="3" marL="1728000" indent="-216000">
+              <a:spcBef>
+                <a:spcPts val="567"/>
+              </a:spcBef>
+              <a:buClr>
+                <a:srgbClr val="000000"/>
+              </a:buClr>
+              <a:buSzPct val="75000"/>
+              <a:buFont typeface="Symbol" charset="2"/>
+              <a:buChar char=""/>
+            </a:pPr>
+            <a:r>
+              <a:rPr b="0" lang="en-US" sz="2000" spc="-1" strike="noStrike">
+                <a:latin typeface="Arial"/>
+              </a:rPr>
+              <a:t>Fourth Outline Level</a:t>
+            </a:r>
+            <a:endParaRPr b="0" lang="en-US" sz="2000" spc="-1" strike="noStrike">
+              <a:latin typeface="Arial"/>
+            </a:endParaRPr>
+          </a:p>
+          <a:p>
+            <a:pPr lvl="4" marL="2160000" indent="-216000">
+              <a:spcBef>
+                <a:spcPts val="283"/>
+              </a:spcBef>
+              <a:buClr>
+                <a:srgbClr val="000000"/>
+              </a:buClr>
+              <a:buSzPct val="45000"/>
+              <a:buFont typeface="Wingdings" charset="2"/>
+              <a:buChar char=""/>
+            </a:pPr>
+            <a:r>
+              <a:rPr b="0" lang="en-US" sz="2000" spc="-1" strike="noStrike">
+                <a:latin typeface="Arial"/>
+              </a:rPr>
+              <a:t>Fifth Outline Level</a:t>
+            </a:r>
+            <a:endParaRPr b="0" lang="en-US" sz="2000" spc="-1" strike="noStrike">
+              <a:latin typeface="Arial"/>
+            </a:endParaRPr>
+          </a:p>
+          <a:p>
+            <a:pPr lvl="5" marL="2592000" indent="-216000">
+              <a:spcBef>
+                <a:spcPts val="283"/>
+              </a:spcBef>
+              <a:buClr>
+                <a:srgbClr val="000000"/>
+              </a:buClr>
+              <a:buSzPct val="45000"/>
+              <a:buFont typeface="Wingdings" charset="2"/>
+              <a:buChar char=""/>
+            </a:pPr>
+            <a:r>
+              <a:rPr b="0" lang="en-US" sz="2000" spc="-1" strike="noStrike">
+                <a:latin typeface="Arial"/>
+              </a:rPr>
+              <a:t>Sixth Outline Level</a:t>
+            </a:r>
+            <a:endParaRPr b="0" lang="en-US" sz="2000" spc="-1" strike="noStrike">
+              <a:latin typeface="Arial"/>
+            </a:endParaRPr>
+          </a:p>
+          <a:p>
+            <a:pPr lvl="6" marL="3024000" indent="-216000">
+              <a:spcBef>
+                <a:spcPts val="283"/>
+              </a:spcBef>
+              <a:buClr>
+                <a:srgbClr val="000000"/>
+              </a:buClr>
+              <a:buSzPct val="45000"/>
+              <a:buFont typeface="Wingdings" charset="2"/>
+              <a:buChar char=""/>
+            </a:pPr>
+            <a:r>
+              <a:rPr b="0" lang="en-US" sz="2000" spc="-1" strike="noStrike">
+                <a:latin typeface="Arial"/>
+              </a:rPr>
+              <a:t>Seventh Outline Level</a:t>
+            </a:r>
+            <a:endParaRPr b="0" lang="en-US" sz="2000" spc="-1" strike="noStrike">
+              <a:latin typeface="Arial"/>
+            </a:endParaRPr>
+          </a:p>
+        </p:txBody>
+      </p:sp>
+    </p:spTree>
+  </p:cSld>
+  <p:clrMap bg1="lt1" bg2="lt2" tx1="dk1" tx2="dk2" accent1="accent1" accent2="accent2" accent3="accent3" accent4="accent4" accent5="accent5" accent6="accent6" hlink="hlink" folHlink="folHlink"/>
+  <p:sldLayoutIdLst>
+    <p:sldLayoutId id="2147483714" r:id="rId4"/>
+    <p:sldLayoutId id="2147483715" r:id="rId5"/>
+    <p:sldLayoutId id="2147483716" r:id="rId6"/>
+    <p:sldLayoutId id="2147483717" r:id="rId7"/>
+    <p:sldLayoutId id="2147483718" r:id="rId8"/>
+    <p:sldLayoutId id="2147483719" r:id="rId9"/>
+    <p:sldLayoutId id="2147483720" r:id="rId10"/>
+    <p:sldLayoutId id="2147483721" r:id="rId11"/>
+    <p:sldLayoutId id="2147483722" r:id="rId12"/>
+    <p:sldLayoutId id="2147483723" r:id="rId13"/>
+    <p:sldLayoutId id="2147483724" r:id="rId14"/>
+    <p:sldLayoutId id="2147483725" r:id="rId15"/>
   </p:sldLayoutIdLst>
 </p:sldMaster>
 </file>
@@ -8543,14 +10234,14 @@
       </p:grpSpPr>
       <p:sp>
         <p:nvSpPr>
-          <p:cNvPr id="206" name="CustomShape 1"/>
+          <p:cNvPr id="247" name="CustomShape 1"/>
           <p:cNvSpPr/>
           <p:nvPr/>
         </p:nvSpPr>
         <p:spPr>
           <a:xfrm>
             <a:off x="918720" y="1805040"/>
-            <a:ext cx="7297920" cy="645480"/>
+            <a:ext cx="7297560" cy="645120"/>
           </a:xfrm>
           <a:prstGeom prst="rect">
             <a:avLst/>
@@ -8594,14 +10285,14 @@
       </p:sp>
       <p:sp>
         <p:nvSpPr>
-          <p:cNvPr id="207" name="CustomShape 2"/>
+          <p:cNvPr id="248" name="CustomShape 2"/>
           <p:cNvSpPr/>
           <p:nvPr/>
         </p:nvSpPr>
         <p:spPr>
           <a:xfrm>
             <a:off x="2041920" y="2872080"/>
-            <a:ext cx="4932720" cy="2071440"/>
+            <a:ext cx="4932360" cy="2071080"/>
           </a:xfrm>
           <a:prstGeom prst="rect">
             <a:avLst/>
@@ -8735,14 +10426,14 @@
       </p:grpSpPr>
       <p:sp>
         <p:nvSpPr>
-          <p:cNvPr id="228" name="CustomShape 1"/>
+          <p:cNvPr id="269" name="CustomShape 1"/>
           <p:cNvSpPr/>
           <p:nvPr/>
         </p:nvSpPr>
         <p:spPr>
           <a:xfrm>
             <a:off x="1131120" y="690480"/>
-            <a:ext cx="7309440" cy="673200"/>
+            <a:ext cx="7309080" cy="672840"/>
           </a:xfrm>
           <a:prstGeom prst="rect">
             <a:avLst/>
@@ -8786,14 +10477,14 @@
       </p:sp>
       <p:sp>
         <p:nvSpPr>
-          <p:cNvPr id="229" name="CustomShape 2"/>
+          <p:cNvPr id="270" name="CustomShape 2"/>
           <p:cNvSpPr/>
           <p:nvPr/>
         </p:nvSpPr>
         <p:spPr>
           <a:xfrm>
             <a:off x="737280" y="731520"/>
-            <a:ext cx="7309080" cy="3597480"/>
+            <a:ext cx="7308720" cy="3597120"/>
           </a:xfrm>
           <a:prstGeom prst="rect">
             <a:avLst/>
@@ -9029,13 +10720,13 @@
       </p:sp>
       <p:graphicFrame>
         <p:nvGraphicFramePr>
-          <p:cNvPr id="230" name="Table 3"/>
+          <p:cNvPr id="271" name="Table 3"/>
           <p:cNvGraphicFramePr/>
           <p:nvPr/>
         </p:nvGraphicFramePr>
         <p:xfrm>
           <a:off x="3903120" y="1383120"/>
-          <a:ext cx="5075280" cy="2907000"/>
+          <a:ext cx="5075280" cy="719280"/>
         </p:xfrm>
         <a:graphic>
           <a:graphicData uri="http://schemas.openxmlformats.org/drawingml/2006/table">
@@ -9263,14 +10954,14 @@
       </p:grpSpPr>
       <p:sp>
         <p:nvSpPr>
-          <p:cNvPr id="231" name="CustomShape 1"/>
+          <p:cNvPr id="272" name="CustomShape 1"/>
           <p:cNvSpPr/>
           <p:nvPr/>
         </p:nvSpPr>
         <p:spPr>
           <a:xfrm>
             <a:off x="1131120" y="690480"/>
-            <a:ext cx="7309440" cy="673200"/>
+            <a:ext cx="7309080" cy="672840"/>
           </a:xfrm>
           <a:prstGeom prst="rect">
             <a:avLst/>
@@ -9304,7 +10995,7 @@
                 <a:latin typeface="Arial"/>
                 <a:ea typeface="DejaVu Sans"/>
               </a:rPr>
-              <a:t>Building Dbs with SQL Scripts</a:t>
+              <a:t>Building DBs with SQL Scripts</a:t>
             </a:r>
             <a:endParaRPr b="0" lang="en-US" sz="3000" spc="-1" strike="noStrike">
               <a:latin typeface="Arial"/>
@@ -9314,14 +11005,14 @@
       </p:sp>
       <p:sp>
         <p:nvSpPr>
-          <p:cNvPr id="232" name="CustomShape 2"/>
+          <p:cNvPr id="273" name="CustomShape 2"/>
           <p:cNvSpPr/>
           <p:nvPr/>
         </p:nvSpPr>
         <p:spPr>
           <a:xfrm>
             <a:off x="829080" y="640080"/>
-            <a:ext cx="7309080" cy="3597480"/>
+            <a:ext cx="7308720" cy="3597120"/>
           </a:xfrm>
           <a:prstGeom prst="rect">
             <a:avLst/>
@@ -9378,7 +11069,31 @@
                 <a:latin typeface="Arial"/>
                 <a:ea typeface="Arial"/>
               </a:rPr>
-              <a:t>It is recommended that SQL scripts are saved and checked into a repository like GitHub. </a:t>
+              <a:t>It is recommended that SQL scripts are saved and checked into a repository like GitHub.</a:t>
+            </a:r>
+            <a:endParaRPr b="0" lang="en-US" sz="1800" spc="-1" strike="noStrike">
+              <a:latin typeface="Arial"/>
+            </a:endParaRPr>
+          </a:p>
+          <a:p>
+            <a:pPr>
+              <a:lnSpc>
+                <a:spcPct val="114000"/>
+              </a:lnSpc>
+              <a:spcBef>
+                <a:spcPts val="901"/>
+              </a:spcBef>
+            </a:pPr>
+            <a:br/>
+            <a:r>
+              <a:rPr b="0" lang="en-US" sz="1800" spc="-1" strike="noStrike">
+                <a:solidFill>
+                  <a:srgbClr val="000000"/>
+                </a:solidFill>
+                <a:latin typeface="Arial"/>
+                <a:ea typeface="Arial"/>
+              </a:rPr>
+              <a:t>This makes it easy to track changes, rebuild, and communicate</a:t>
             </a:r>
             <a:endParaRPr b="0" lang="en-US" sz="1800" spc="-1" strike="noStrike">
               <a:latin typeface="Arial"/>
@@ -9434,22 +11149,22 @@
       </p:sp>
       <p:graphicFrame>
         <p:nvGraphicFramePr>
-          <p:cNvPr id="233" name="Table 3"/>
+          <p:cNvPr id="274" name="Table 3"/>
           <p:cNvGraphicFramePr/>
           <p:nvPr/>
         </p:nvGraphicFramePr>
         <p:xfrm>
-          <a:off x="484920" y="3322080"/>
-          <a:ext cx="8246880" cy="2907000"/>
+          <a:off x="8686800" y="3931920"/>
+          <a:ext cx="44640" cy="109080"/>
         </p:xfrm>
         <a:graphic>
           <a:graphicData uri="http://schemas.openxmlformats.org/drawingml/2006/table">
             <a:tbl>
               <a:tblPr/>
               <a:tblGrid>
-                <a:gridCol w="8246880"/>
+                <a:gridCol w="216000"/>
               </a:tblGrid>
-              <a:tr h="719640">
+              <a:tr h="347760">
                 <a:tc>
                   <a:tcPr marL="90000" marR="90000">
                     <a:lnL w="720">
@@ -9472,9 +11187,7 @@
                         <a:srgbClr val="ffffff"/>
                       </a:solidFill>
                     </a:lnB>
-                    <a:solidFill>
-                      <a:srgbClr val="dee6ef"/>
-                    </a:solidFill>
+                    <a:noFill/>
                   </a:tcPr>
                 </a:tc>
               </a:tr>
@@ -9482,6 +11195,517 @@
           </a:graphicData>
         </a:graphic>
       </p:graphicFrame>
+      <p:sp>
+        <p:nvSpPr>
+          <p:cNvPr id="275" name="CustomShape 4"/>
+          <p:cNvSpPr/>
+          <p:nvPr/>
+        </p:nvSpPr>
+        <p:spPr>
+          <a:xfrm>
+            <a:off x="837000" y="2377440"/>
+            <a:ext cx="7308720" cy="2584800"/>
+          </a:xfrm>
+          <a:prstGeom prst="rect">
+            <a:avLst/>
+          </a:prstGeom>
+          <a:noFill/>
+          <a:ln>
+            <a:noFill/>
+          </a:ln>
+        </p:spPr>
+        <p:style>
+          <a:lnRef idx="0"/>
+          <a:fillRef idx="0"/>
+          <a:effectRef idx="0"/>
+          <a:fontRef idx="minor"/>
+        </p:style>
+        <p:txBody>
+          <a:bodyPr lIns="0" rIns="0" tIns="0" bIns="343080">
+            <a:noAutofit/>
+          </a:bodyPr>
+          <a:p>
+            <a:pPr>
+              <a:lnSpc>
+                <a:spcPct val="114000"/>
+              </a:lnSpc>
+            </a:pPr>
+            <a:endParaRPr b="0" lang="en-US" sz="1800" spc="-1" strike="noStrike">
+              <a:latin typeface="Arial"/>
+            </a:endParaRPr>
+          </a:p>
+          <a:p>
+            <a:pPr>
+              <a:lnSpc>
+                <a:spcPct val="114000"/>
+              </a:lnSpc>
+            </a:pPr>
+            <a:endParaRPr b="0" lang="en-US" sz="1800" spc="-1" strike="noStrike">
+              <a:latin typeface="Arial"/>
+            </a:endParaRPr>
+          </a:p>
+          <a:p>
+            <a:pPr>
+              <a:lnSpc>
+                <a:spcPct val="114000"/>
+              </a:lnSpc>
+            </a:pPr>
+            <a:r>
+              <a:rPr b="0" lang="en-US" sz="1800" spc="-1" strike="noStrike">
+                <a:solidFill>
+                  <a:srgbClr val="000000"/>
+                </a:solidFill>
+                <a:latin typeface="Arial"/>
+                <a:ea typeface="DejaVu Sans"/>
+              </a:rPr>
+              <a:t>Different types of scripts:</a:t>
+            </a:r>
+            <a:endParaRPr b="0" lang="en-US" sz="1800" spc="-1" strike="noStrike">
+              <a:latin typeface="Arial"/>
+            </a:endParaRPr>
+          </a:p>
+          <a:p>
+            <a:pPr marL="343080" indent="-252000">
+              <a:lnSpc>
+                <a:spcPct val="114000"/>
+              </a:lnSpc>
+              <a:spcBef>
+                <a:spcPts val="901"/>
+              </a:spcBef>
+              <a:buClr>
+                <a:srgbClr val="e27431"/>
+              </a:buClr>
+              <a:buFont typeface="Arial"/>
+              <a:buChar char="●"/>
+            </a:pPr>
+            <a:r>
+              <a:rPr b="0" lang="en-US" sz="1800" spc="-1" strike="noStrike">
+                <a:solidFill>
+                  <a:srgbClr val="000000"/>
+                </a:solidFill>
+                <a:latin typeface="Arial"/>
+                <a:ea typeface="Arial"/>
+              </a:rPr>
+              <a:t>Creation scripts (create database, tables, indexes, ...)</a:t>
+            </a:r>
+            <a:endParaRPr b="0" lang="en-US" sz="1800" spc="-1" strike="noStrike">
+              <a:latin typeface="Arial"/>
+            </a:endParaRPr>
+          </a:p>
+          <a:p>
+            <a:pPr marL="343080" indent="-252000">
+              <a:lnSpc>
+                <a:spcPct val="114000"/>
+              </a:lnSpc>
+              <a:spcBef>
+                <a:spcPts val="901"/>
+              </a:spcBef>
+              <a:buClr>
+                <a:srgbClr val="e27431"/>
+              </a:buClr>
+              <a:buFont typeface="Arial"/>
+              <a:buChar char="●"/>
+            </a:pPr>
+            <a:r>
+              <a:rPr b="0" lang="en-US" sz="1800" spc="-1" strike="noStrike">
+                <a:solidFill>
+                  <a:srgbClr val="000000"/>
+                </a:solidFill>
+                <a:latin typeface="Arial"/>
+                <a:ea typeface="Arial"/>
+              </a:rPr>
+              <a:t>Data initialization scripts (insert data into tables)</a:t>
+            </a:r>
+            <a:br/>
+            <a:r>
+              <a:rPr b="0" lang="en-US" sz="1800" spc="-1" strike="noStrike">
+                <a:solidFill>
+                  <a:srgbClr val="000000"/>
+                </a:solidFill>
+                <a:latin typeface="Arial"/>
+                <a:ea typeface="Arial"/>
+              </a:rPr>
+              <a:t>can invoke other scripts that create, insert, ..</a:t>
+            </a:r>
+            <a:endParaRPr b="0" lang="en-US" sz="1800" spc="-1" strike="noStrike">
+              <a:latin typeface="Arial"/>
+            </a:endParaRPr>
+          </a:p>
+          <a:p>
+            <a:pPr marL="343080" indent="-252000">
+              <a:lnSpc>
+                <a:spcPct val="114000"/>
+              </a:lnSpc>
+              <a:spcBef>
+                <a:spcPts val="901"/>
+              </a:spcBef>
+              <a:buClr>
+                <a:srgbClr val="e27431"/>
+              </a:buClr>
+              <a:buFont typeface="Arial"/>
+              <a:buChar char="●"/>
+            </a:pPr>
+            <a:r>
+              <a:rPr b="0" lang="en-US" sz="1800" spc="-1" strike="noStrike">
+                <a:solidFill>
+                  <a:srgbClr val="000000"/>
+                </a:solidFill>
+                <a:latin typeface="Arial"/>
+                <a:ea typeface="Arial"/>
+              </a:rPr>
+              <a:t>Cleanup scripts</a:t>
+            </a:r>
+            <a:endParaRPr b="0" lang="en-US" sz="1800" spc="-1" strike="noStrike">
+              <a:latin typeface="Arial"/>
+            </a:endParaRPr>
+          </a:p>
+        </p:txBody>
+      </p:sp>
+    </p:spTree>
+  </p:cSld>
+  <mc:AlternateContent>
+    <mc:Choice Requires="p14">
+      <p:transition spd="slow" p14:dur="2000"/>
+    </mc:Choice>
+    <mc:Fallback>
+      <p:transition spd="slow"/>
+    </mc:Fallback>
+  </mc:AlternateContent>
+</p:sld>
+</file>
+
+<file path=ppt/slides/slide12.xml><?xml version="1.0" encoding="utf-8"?>
+<p:sld xmlns:a="http://schemas.openxmlformats.org/drawingml/2006/main" xmlns:p="http://schemas.openxmlformats.org/presentationml/2006/main" xmlns:r="http://schemas.openxmlformats.org/officeDocument/2006/relationships" xmlns:p14="http://schemas.microsoft.com/office/powerpoint/2010/main" xmlns:p15="http://schemas.microsoft.com/office/powerpoint/2012/main" xmlns:mc="http://schemas.openxmlformats.org/markup-compatibility/2006">
+  <p:cSld>
+    <p:spTree>
+      <p:nvGrpSpPr>
+        <p:cNvPr id="1" name=""/>
+        <p:cNvGrpSpPr/>
+        <p:nvPr/>
+      </p:nvGrpSpPr>
+      <p:grpSpPr>
+        <a:xfrm>
+          <a:off x="0" y="0"/>
+          <a:ext cx="0" cy="0"/>
+          <a:chOff x="0" y="0"/>
+          <a:chExt cx="0" cy="0"/>
+        </a:xfrm>
+      </p:grpSpPr>
+      <p:sp>
+        <p:nvSpPr>
+          <p:cNvPr id="276" name="CustomShape 1"/>
+          <p:cNvSpPr/>
+          <p:nvPr/>
+        </p:nvSpPr>
+        <p:spPr>
+          <a:xfrm>
+            <a:off x="1131120" y="690480"/>
+            <a:ext cx="7309080" cy="672840"/>
+          </a:xfrm>
+          <a:prstGeom prst="rect">
+            <a:avLst/>
+          </a:prstGeom>
+          <a:noFill/>
+          <a:ln>
+            <a:noFill/>
+          </a:ln>
+        </p:spPr>
+        <p:style>
+          <a:lnRef idx="0"/>
+          <a:fillRef idx="0"/>
+          <a:effectRef idx="0"/>
+          <a:fontRef idx="minor"/>
+        </p:style>
+        <p:txBody>
+          <a:bodyPr lIns="0" rIns="0" tIns="0" bIns="0">
+            <a:noAutofit/>
+          </a:bodyPr>
+          <a:p>
+            <a:pPr>
+              <a:lnSpc>
+                <a:spcPct val="90000"/>
+              </a:lnSpc>
+            </a:pPr>
+            <a:r>
+              <a:rPr b="0" lang="en-US" sz="3000" spc="-1" strike="noStrike">
+                <a:solidFill>
+                  <a:srgbClr val="000000"/>
+                </a:solidFill>
+                <a:latin typeface="Arial"/>
+                <a:ea typeface="DejaVu Sans"/>
+              </a:rPr>
+              <a:t>Building DBs with SQL Scripts, contd.</a:t>
+            </a:r>
+            <a:endParaRPr b="0" lang="en-US" sz="3000" spc="-1" strike="noStrike">
+              <a:latin typeface="Arial"/>
+            </a:endParaRPr>
+          </a:p>
+        </p:txBody>
+      </p:sp>
+      <p:sp>
+        <p:nvSpPr>
+          <p:cNvPr id="277" name="CustomShape 2"/>
+          <p:cNvSpPr/>
+          <p:nvPr/>
+        </p:nvSpPr>
+        <p:spPr>
+          <a:xfrm>
+            <a:off x="829080" y="964080"/>
+            <a:ext cx="7308720" cy="3597120"/>
+          </a:xfrm>
+          <a:prstGeom prst="rect">
+            <a:avLst/>
+          </a:prstGeom>
+          <a:noFill/>
+          <a:ln>
+            <a:noFill/>
+          </a:ln>
+        </p:spPr>
+        <p:style>
+          <a:lnRef idx="0"/>
+          <a:fillRef idx="0"/>
+          <a:effectRef idx="0"/>
+          <a:fontRef idx="minor"/>
+        </p:style>
+        <p:txBody>
+          <a:bodyPr lIns="0" rIns="0" tIns="0" bIns="343080">
+            <a:noAutofit/>
+          </a:bodyPr>
+          <a:p>
+            <a:pPr>
+              <a:lnSpc>
+                <a:spcPct val="114000"/>
+              </a:lnSpc>
+            </a:pPr>
+            <a:endParaRPr b="0" lang="en-US" sz="1800" spc="-1" strike="noStrike">
+              <a:latin typeface="Arial"/>
+            </a:endParaRPr>
+          </a:p>
+          <a:p>
+            <a:pPr>
+              <a:lnSpc>
+                <a:spcPct val="114000"/>
+              </a:lnSpc>
+            </a:pPr>
+            <a:endParaRPr b="0" lang="en-US" sz="1800" spc="-1" strike="noStrike">
+              <a:latin typeface="Arial"/>
+            </a:endParaRPr>
+          </a:p>
+          <a:p>
+            <a:pPr>
+              <a:lnSpc>
+                <a:spcPct val="114000"/>
+              </a:lnSpc>
+              <a:spcBef>
+                <a:spcPts val="901"/>
+              </a:spcBef>
+            </a:pPr>
+            <a:r>
+              <a:rPr b="1" lang="en-US" sz="1800" spc="-1" strike="noStrike">
+                <a:solidFill>
+                  <a:srgbClr val="000000"/>
+                </a:solidFill>
+                <a:latin typeface="Arial"/>
+                <a:ea typeface="Arial"/>
+              </a:rPr>
+              <a:t>Note of Caution:</a:t>
+            </a:r>
+            <a:r>
+              <a:rPr b="0" lang="en-US" sz="1800" spc="-1" strike="noStrike">
+                <a:solidFill>
+                  <a:srgbClr val="000000"/>
+                </a:solidFill>
+                <a:latin typeface="Arial"/>
+                <a:ea typeface="Arial"/>
+              </a:rPr>
+              <a:t> Programming languages such as Python support SQL transactions.</a:t>
+            </a:r>
+            <a:endParaRPr b="0" lang="en-US" sz="1800" spc="-1" strike="noStrike">
+              <a:latin typeface="Arial"/>
+            </a:endParaRPr>
+          </a:p>
+          <a:p>
+            <a:pPr>
+              <a:lnSpc>
+                <a:spcPct val="114000"/>
+              </a:lnSpc>
+              <a:spcBef>
+                <a:spcPts val="901"/>
+              </a:spcBef>
+            </a:pPr>
+            <a:br/>
+            <a:r>
+              <a:rPr b="0" lang="en-US" sz="1800" spc="-1" strike="noStrike">
+                <a:solidFill>
+                  <a:srgbClr val="000000"/>
+                </a:solidFill>
+                <a:latin typeface="Arial"/>
+                <a:ea typeface="Arial"/>
+              </a:rPr>
+              <a:t>If you run python to change the state, it won’t be recorded, documented</a:t>
+            </a:r>
+            <a:endParaRPr b="0" lang="en-US" sz="1800" spc="-1" strike="noStrike">
+              <a:latin typeface="Arial"/>
+            </a:endParaRPr>
+          </a:p>
+          <a:p>
+            <a:pPr>
+              <a:lnSpc>
+                <a:spcPct val="114000"/>
+              </a:lnSpc>
+              <a:spcBef>
+                <a:spcPts val="901"/>
+              </a:spcBef>
+            </a:pPr>
+            <a:endParaRPr b="0" lang="en-US" sz="1800" spc="-1" strike="noStrike">
+              <a:latin typeface="Arial"/>
+            </a:endParaRPr>
+          </a:p>
+          <a:p>
+            <a:pPr>
+              <a:lnSpc>
+                <a:spcPct val="114000"/>
+              </a:lnSpc>
+              <a:spcBef>
+                <a:spcPts val="901"/>
+              </a:spcBef>
+            </a:pPr>
+            <a:r>
+              <a:rPr b="0" lang="en-US" sz="1800" spc="-1" strike="noStrike">
+                <a:solidFill>
+                  <a:srgbClr val="000000"/>
+                </a:solidFill>
+                <a:latin typeface="Arial"/>
+                <a:ea typeface="Arial"/>
+              </a:rPr>
+              <a:t>It is preferable to have python generate and save scripts which can be run, stored and checked in.</a:t>
+            </a:r>
+            <a:endParaRPr b="0" lang="en-US" sz="1800" spc="-1" strike="noStrike">
+              <a:latin typeface="Arial"/>
+            </a:endParaRPr>
+          </a:p>
+          <a:p>
+            <a:pPr>
+              <a:lnSpc>
+                <a:spcPct val="114000"/>
+              </a:lnSpc>
+              <a:spcBef>
+                <a:spcPts val="901"/>
+              </a:spcBef>
+            </a:pPr>
+            <a:endParaRPr b="0" lang="en-US" sz="1800" spc="-1" strike="noStrike">
+              <a:latin typeface="Arial"/>
+            </a:endParaRPr>
+          </a:p>
+          <a:p>
+            <a:pPr>
+              <a:lnSpc>
+                <a:spcPct val="114000"/>
+              </a:lnSpc>
+              <a:spcBef>
+                <a:spcPts val="901"/>
+              </a:spcBef>
+            </a:pPr>
+            <a:endParaRPr b="0" lang="en-US" sz="1800" spc="-1" strike="noStrike">
+              <a:latin typeface="Arial"/>
+            </a:endParaRPr>
+          </a:p>
+          <a:p>
+            <a:pPr>
+              <a:lnSpc>
+                <a:spcPct val="114000"/>
+              </a:lnSpc>
+            </a:pPr>
+            <a:endParaRPr b="0" lang="en-US" sz="1800" spc="-1" strike="noStrike">
+              <a:latin typeface="Arial"/>
+            </a:endParaRPr>
+          </a:p>
+          <a:p>
+            <a:pPr>
+              <a:lnSpc>
+                <a:spcPct val="114000"/>
+              </a:lnSpc>
+            </a:pPr>
+            <a:endParaRPr b="0" lang="en-US" sz="1800" spc="-1" strike="noStrike">
+              <a:latin typeface="Arial"/>
+            </a:endParaRPr>
+          </a:p>
+        </p:txBody>
+      </p:sp>
+      <p:graphicFrame>
+        <p:nvGraphicFramePr>
+          <p:cNvPr id="278" name="Table 3"/>
+          <p:cNvGraphicFramePr/>
+          <p:nvPr/>
+        </p:nvGraphicFramePr>
+        <p:xfrm>
+          <a:off x="8686800" y="3931920"/>
+          <a:ext cx="44640" cy="109080"/>
+        </p:xfrm>
+        <a:graphic>
+          <a:graphicData uri="http://schemas.openxmlformats.org/drawingml/2006/table">
+            <a:tbl>
+              <a:tblPr/>
+              <a:tblGrid>
+                <a:gridCol w="216000"/>
+              </a:tblGrid>
+              <a:tr h="347760">
+                <a:tc>
+                  <a:tcPr marL="90000" marR="90000">
+                    <a:lnL w="720">
+                      <a:solidFill>
+                        <a:srgbClr val="ffffff"/>
+                      </a:solidFill>
+                    </a:lnL>
+                    <a:lnR w="720">
+                      <a:solidFill>
+                        <a:srgbClr val="ffffff"/>
+                      </a:solidFill>
+                    </a:lnR>
+                    <a:lnT w="720">
+                      <a:solidFill>
+                        <a:srgbClr val="ffffff"/>
+                      </a:solidFill>
+                    </a:lnT>
+                    <a:lnB w="720">
+                      <a:solidFill>
+                        <a:srgbClr val="ffffff"/>
+                      </a:solidFill>
+                    </a:lnB>
+                    <a:noFill/>
+                  </a:tcPr>
+                </a:tc>
+              </a:tr>
+            </a:tbl>
+          </a:graphicData>
+        </a:graphic>
+      </p:graphicFrame>
+      <p:sp>
+        <p:nvSpPr>
+          <p:cNvPr id="279" name="CustomShape 4"/>
+          <p:cNvSpPr/>
+          <p:nvPr/>
+        </p:nvSpPr>
+        <p:spPr>
+          <a:xfrm>
+            <a:off x="837000" y="2377440"/>
+            <a:ext cx="7308720" cy="2584800"/>
+          </a:xfrm>
+          <a:prstGeom prst="rect">
+            <a:avLst/>
+          </a:prstGeom>
+          <a:noFill/>
+          <a:ln>
+            <a:noFill/>
+          </a:ln>
+        </p:spPr>
+        <p:style>
+          <a:lnRef idx="0"/>
+          <a:fillRef idx="0"/>
+          <a:effectRef idx="0"/>
+          <a:fontRef idx="minor"/>
+        </p:style>
+      </p:sp>
     </p:spTree>
   </p:cSld>
   <mc:AlternateContent>
@@ -9514,14 +11738,14 @@
       </p:grpSpPr>
       <p:sp>
         <p:nvSpPr>
-          <p:cNvPr id="208" name="CustomShape 1"/>
+          <p:cNvPr id="249" name="CustomShape 1"/>
           <p:cNvSpPr/>
           <p:nvPr/>
         </p:nvSpPr>
         <p:spPr>
           <a:xfrm>
             <a:off x="1131120" y="690480"/>
-            <a:ext cx="7309440" cy="673200"/>
+            <a:ext cx="7309080" cy="672840"/>
           </a:xfrm>
           <a:prstGeom prst="rect">
             <a:avLst/>
@@ -9566,14 +11790,14 @@
       </p:sp>
       <p:sp>
         <p:nvSpPr>
-          <p:cNvPr id="209" name="CustomShape 2"/>
+          <p:cNvPr id="250" name="CustomShape 2"/>
           <p:cNvSpPr/>
           <p:nvPr/>
         </p:nvSpPr>
         <p:spPr>
           <a:xfrm>
             <a:off x="729000" y="1365120"/>
-            <a:ext cx="7309080" cy="3597480"/>
+            <a:ext cx="7308720" cy="3597120"/>
           </a:xfrm>
           <a:prstGeom prst="rect">
             <a:avLst/>
@@ -9624,7 +11848,7 @@
             </a:endParaRPr>
           </a:p>
           <a:p>
-            <a:pPr marL="343080" indent="-252360">
+            <a:pPr marL="343080" indent="-252000">
               <a:lnSpc>
                 <a:spcPct val="114000"/>
               </a:lnSpc>
@@ -9652,7 +11876,7 @@
             </a:endParaRPr>
           </a:p>
           <a:p>
-            <a:pPr marL="343080" indent="-252360">
+            <a:pPr marL="343080" indent="-252000">
               <a:lnSpc>
                 <a:spcPct val="114000"/>
               </a:lnSpc>
@@ -9680,7 +11904,7 @@
             </a:endParaRPr>
           </a:p>
           <a:p>
-            <a:pPr marL="343080" indent="-252360">
+            <a:pPr marL="343080" indent="-252000">
               <a:lnSpc>
                 <a:spcPct val="114000"/>
               </a:lnSpc>
@@ -9741,14 +11965,14 @@
       </p:grpSpPr>
       <p:sp>
         <p:nvSpPr>
-          <p:cNvPr id="210" name="CustomShape 1"/>
+          <p:cNvPr id="251" name="CustomShape 1"/>
           <p:cNvSpPr/>
           <p:nvPr/>
         </p:nvSpPr>
         <p:spPr>
           <a:xfrm>
             <a:off x="1131120" y="690480"/>
-            <a:ext cx="7309440" cy="673200"/>
+            <a:ext cx="7309080" cy="672840"/>
           </a:xfrm>
           <a:prstGeom prst="rect">
             <a:avLst/>
@@ -9792,14 +12016,14 @@
       </p:sp>
       <p:sp>
         <p:nvSpPr>
-          <p:cNvPr id="211" name="CustomShape 2"/>
+          <p:cNvPr id="252" name="CustomShape 2"/>
           <p:cNvSpPr/>
           <p:nvPr/>
         </p:nvSpPr>
         <p:spPr>
           <a:xfrm>
             <a:off x="737280" y="731520"/>
-            <a:ext cx="7309080" cy="3597480"/>
+            <a:ext cx="7308720" cy="3597120"/>
           </a:xfrm>
           <a:prstGeom prst="rect">
             <a:avLst/>
@@ -9850,7 +12074,7 @@
             </a:endParaRPr>
           </a:p>
           <a:p>
-            <a:pPr marL="343080" indent="-252360">
+            <a:pPr marL="343080" indent="-252000">
               <a:lnSpc>
                 <a:spcPct val="114000"/>
               </a:lnSpc>
@@ -9878,7 +12102,7 @@
             </a:endParaRPr>
           </a:p>
           <a:p>
-            <a:pPr marL="343080" indent="-252360">
+            <a:pPr marL="343080" indent="-252000">
               <a:lnSpc>
                 <a:spcPct val="114000"/>
               </a:lnSpc>
@@ -9929,7 +12153,7 @@
             </a:endParaRPr>
           </a:p>
           <a:p>
-            <a:pPr marL="343080" indent="-252360">
+            <a:pPr marL="343080" indent="-252000">
               <a:lnSpc>
                 <a:spcPct val="114000"/>
               </a:lnSpc>
@@ -9990,14 +12214,14 @@
       </p:grpSpPr>
       <p:sp>
         <p:nvSpPr>
-          <p:cNvPr id="212" name="CustomShape 1"/>
+          <p:cNvPr id="253" name="CustomShape 1"/>
           <p:cNvSpPr/>
           <p:nvPr/>
         </p:nvSpPr>
         <p:spPr>
           <a:xfrm>
             <a:off x="1131120" y="690480"/>
-            <a:ext cx="7309440" cy="673200"/>
+            <a:ext cx="7309080" cy="672840"/>
           </a:xfrm>
           <a:prstGeom prst="rect">
             <a:avLst/>
@@ -10041,14 +12265,14 @@
       </p:sp>
       <p:sp>
         <p:nvSpPr>
-          <p:cNvPr id="213" name="CustomShape 2"/>
+          <p:cNvPr id="254" name="CustomShape 2"/>
           <p:cNvSpPr/>
           <p:nvPr/>
         </p:nvSpPr>
         <p:spPr>
           <a:xfrm>
             <a:off x="737280" y="731520"/>
-            <a:ext cx="7309080" cy="3597480"/>
+            <a:ext cx="7308720" cy="3597120"/>
           </a:xfrm>
           <a:prstGeom prst="rect">
             <a:avLst/>
@@ -10099,7 +12323,7 @@
             </a:endParaRPr>
           </a:p>
           <a:p>
-            <a:pPr marL="343080" indent="-252360">
+            <a:pPr marL="343080" indent="-252000">
               <a:lnSpc>
                 <a:spcPct val="114000"/>
               </a:lnSpc>
@@ -10127,7 +12351,7 @@
             </a:endParaRPr>
           </a:p>
           <a:p>
-            <a:pPr marL="343080" indent="-252360">
+            <a:pPr marL="343080" indent="-252000">
               <a:lnSpc>
                 <a:spcPct val="114000"/>
               </a:lnSpc>
@@ -10155,7 +12379,7 @@
             </a:endParaRPr>
           </a:p>
           <a:p>
-            <a:pPr marL="343080" indent="-252360">
+            <a:pPr marL="343080" indent="-252000">
               <a:lnSpc>
                 <a:spcPct val="114000"/>
               </a:lnSpc>
@@ -10183,7 +12407,7 @@
             </a:endParaRPr>
           </a:p>
           <a:p>
-            <a:pPr marL="343080" indent="-252360">
+            <a:pPr marL="343080" indent="-252000">
               <a:lnSpc>
                 <a:spcPct val="114000"/>
               </a:lnSpc>
@@ -10244,14 +12468,14 @@
       </p:grpSpPr>
       <p:sp>
         <p:nvSpPr>
-          <p:cNvPr id="214" name="CustomShape 1"/>
+          <p:cNvPr id="255" name="CustomShape 1"/>
           <p:cNvSpPr/>
           <p:nvPr/>
         </p:nvSpPr>
         <p:spPr>
           <a:xfrm>
             <a:off x="1131120" y="690480"/>
-            <a:ext cx="7309440" cy="673200"/>
+            <a:ext cx="7309080" cy="672840"/>
           </a:xfrm>
           <a:prstGeom prst="rect">
             <a:avLst/>
@@ -10295,14 +12519,14 @@
       </p:sp>
       <p:sp>
         <p:nvSpPr>
-          <p:cNvPr id="215" name="CustomShape 2"/>
+          <p:cNvPr id="256" name="CustomShape 2"/>
           <p:cNvSpPr/>
           <p:nvPr/>
         </p:nvSpPr>
         <p:spPr>
           <a:xfrm>
             <a:off x="737280" y="731520"/>
-            <a:ext cx="7309080" cy="3597480"/>
+            <a:ext cx="7308720" cy="3597120"/>
           </a:xfrm>
           <a:prstGeom prst="rect">
             <a:avLst/>
@@ -10343,7 +12567,7 @@
             </a:endParaRPr>
           </a:p>
           <a:p>
-            <a:pPr marL="343080" indent="-252360">
+            <a:pPr marL="343080" indent="-252000">
               <a:lnSpc>
                 <a:spcPct val="114000"/>
               </a:lnSpc>
@@ -10439,14 +12663,14 @@
       </p:sp>
       <p:sp>
         <p:nvSpPr>
-          <p:cNvPr id="216" name="CustomShape 3"/>
+          <p:cNvPr id="257" name="CustomShape 3"/>
           <p:cNvSpPr/>
           <p:nvPr/>
         </p:nvSpPr>
         <p:spPr>
           <a:xfrm>
             <a:off x="914400" y="3474720"/>
-            <a:ext cx="7497720" cy="1461240"/>
+            <a:ext cx="7497360" cy="1461240"/>
           </a:xfrm>
           <a:prstGeom prst="rect">
             <a:avLst/>
@@ -10484,7 +12708,11 @@
             </a:pPr>
             <a:r>
               <a:rPr b="0" lang="en-US" sz="1800" spc="-1" strike="noStrike">
+                <a:solidFill>
+                  <a:srgbClr val="000000"/>
+                </a:solidFill>
                 <a:latin typeface="Arial"/>
+                <a:ea typeface="DejaVu Sans"/>
               </a:rPr>
               <a:t>Each field consists of name, data type, and optional constraints</a:t>
             </a:r>
@@ -10501,14 +12729,22 @@
             </a:pPr>
             <a:r>
               <a:rPr b="0" lang="en-US" sz="1800" spc="-1" strike="noStrike">
+                <a:solidFill>
+                  <a:srgbClr val="000000"/>
+                </a:solidFill>
                 <a:latin typeface="Arial"/>
+                <a:ea typeface="DejaVu Sans"/>
               </a:rPr>
               <a:t>The primary key uses two fields. It’s called a composite key. </a:t>
             </a:r>
             <a:br/>
             <a:r>
               <a:rPr b="0" lang="en-US" sz="1800" spc="-1" strike="noStrike">
+                <a:solidFill>
+                  <a:srgbClr val="000000"/>
+                </a:solidFill>
                 <a:latin typeface="Arial"/>
+                <a:ea typeface="DejaVu Sans"/>
               </a:rPr>
               <a:t>Its component fields cannot be null.</a:t>
             </a:r>
@@ -10550,14 +12786,14 @@
       </p:grpSpPr>
       <p:sp>
         <p:nvSpPr>
-          <p:cNvPr id="217" name="CustomShape 1"/>
+          <p:cNvPr id="258" name="CustomShape 1"/>
           <p:cNvSpPr/>
           <p:nvPr/>
         </p:nvSpPr>
         <p:spPr>
           <a:xfrm>
             <a:off x="1131120" y="690480"/>
-            <a:ext cx="7309440" cy="673200"/>
+            <a:ext cx="7309080" cy="672840"/>
           </a:xfrm>
           <a:prstGeom prst="rect">
             <a:avLst/>
@@ -10601,14 +12837,14 @@
       </p:sp>
       <p:sp>
         <p:nvSpPr>
-          <p:cNvPr id="218" name="CustomShape 2"/>
+          <p:cNvPr id="259" name="CustomShape 2"/>
           <p:cNvSpPr/>
           <p:nvPr/>
         </p:nvSpPr>
         <p:spPr>
           <a:xfrm>
             <a:off x="737280" y="731520"/>
-            <a:ext cx="7309080" cy="3597480"/>
+            <a:ext cx="7308720" cy="3597120"/>
           </a:xfrm>
           <a:prstGeom prst="rect">
             <a:avLst/>
@@ -10796,14 +13032,14 @@
       </p:grpSpPr>
       <p:sp>
         <p:nvSpPr>
-          <p:cNvPr id="219" name="CustomShape 1"/>
+          <p:cNvPr id="260" name="CustomShape 1"/>
           <p:cNvSpPr/>
           <p:nvPr/>
         </p:nvSpPr>
         <p:spPr>
           <a:xfrm>
             <a:off x="1131120" y="690480"/>
-            <a:ext cx="7309440" cy="673200"/>
+            <a:ext cx="7309080" cy="672840"/>
           </a:xfrm>
           <a:prstGeom prst="rect">
             <a:avLst/>
@@ -10847,14 +13083,14 @@
       </p:sp>
       <p:sp>
         <p:nvSpPr>
-          <p:cNvPr id="220" name="CustomShape 2"/>
+          <p:cNvPr id="261" name="CustomShape 2"/>
           <p:cNvSpPr/>
           <p:nvPr/>
         </p:nvSpPr>
         <p:spPr>
           <a:xfrm>
             <a:off x="532080" y="2834640"/>
-            <a:ext cx="7406280" cy="1494360"/>
+            <a:ext cx="7405920" cy="1494000"/>
           </a:xfrm>
           <a:prstGeom prst="rect">
             <a:avLst/>
@@ -11011,13 +13247,13 @@
       </p:sp>
       <p:graphicFrame>
         <p:nvGraphicFramePr>
-          <p:cNvPr id="221" name="Table 3"/>
+          <p:cNvPr id="262" name="Table 3"/>
           <p:cNvGraphicFramePr/>
           <p:nvPr/>
         </p:nvGraphicFramePr>
         <p:xfrm>
           <a:off x="479520" y="1488600"/>
-          <a:ext cx="5388840" cy="1115280"/>
+          <a:ext cx="5388840" cy="719280"/>
         </p:xfrm>
         <a:graphic>
           <a:graphicData uri="http://schemas.openxmlformats.org/drawingml/2006/table">
@@ -11138,14 +13374,14 @@
       </p:grpSpPr>
       <p:sp>
         <p:nvSpPr>
-          <p:cNvPr id="222" name="CustomShape 1"/>
+          <p:cNvPr id="263" name="CustomShape 1"/>
           <p:cNvSpPr/>
           <p:nvPr/>
         </p:nvSpPr>
         <p:spPr>
           <a:xfrm>
             <a:off x="1131120" y="690480"/>
-            <a:ext cx="7309440" cy="673200"/>
+            <a:ext cx="7309080" cy="672840"/>
           </a:xfrm>
           <a:prstGeom prst="rect">
             <a:avLst/>
@@ -11189,14 +13425,14 @@
       </p:sp>
       <p:sp>
         <p:nvSpPr>
-          <p:cNvPr id="223" name="CustomShape 2"/>
+          <p:cNvPr id="264" name="CustomShape 2"/>
           <p:cNvSpPr/>
           <p:nvPr/>
         </p:nvSpPr>
         <p:spPr>
           <a:xfrm>
             <a:off x="737280" y="731520"/>
-            <a:ext cx="7309080" cy="3597480"/>
+            <a:ext cx="7308720" cy="3597120"/>
           </a:xfrm>
           <a:prstGeom prst="rect">
             <a:avLst/>
@@ -11352,14 +13588,14 @@
       </p:sp>
       <p:sp>
         <p:nvSpPr>
-          <p:cNvPr id="224" name="CustomShape 3"/>
+          <p:cNvPr id="265" name="CustomShape 3"/>
           <p:cNvSpPr/>
           <p:nvPr/>
         </p:nvSpPr>
         <p:spPr>
           <a:xfrm>
             <a:off x="620640" y="3840480"/>
-            <a:ext cx="7497720" cy="639000"/>
+            <a:ext cx="7497360" cy="638640"/>
           </a:xfrm>
           <a:prstGeom prst="rect">
             <a:avLst/>
@@ -11387,7 +13623,11 @@
             </a:pPr>
             <a:r>
               <a:rPr b="0" lang="en-US" sz="1800" spc="-1" strike="noStrike">
+                <a:solidFill>
+                  <a:srgbClr val="000000"/>
+                </a:solidFill>
                 <a:latin typeface="Arial"/>
+                <a:ea typeface="DejaVu Sans"/>
               </a:rPr>
               <a:t>ALTER can also be used to drop column, modify column</a:t>
             </a:r>
@@ -11439,14 +13679,14 @@
       </p:grpSpPr>
       <p:sp>
         <p:nvSpPr>
-          <p:cNvPr id="225" name="CustomShape 1"/>
+          <p:cNvPr id="266" name="CustomShape 1"/>
           <p:cNvSpPr/>
           <p:nvPr/>
         </p:nvSpPr>
         <p:spPr>
           <a:xfrm>
             <a:off x="1131120" y="690480"/>
-            <a:ext cx="7309440" cy="673200"/>
+            <a:ext cx="7309080" cy="672840"/>
           </a:xfrm>
           <a:prstGeom prst="rect">
             <a:avLst/>
@@ -11490,14 +13730,14 @@
       </p:sp>
       <p:sp>
         <p:nvSpPr>
-          <p:cNvPr id="226" name="CustomShape 2"/>
+          <p:cNvPr id="267" name="CustomShape 2"/>
           <p:cNvSpPr/>
           <p:nvPr/>
         </p:nvSpPr>
         <p:spPr>
           <a:xfrm>
             <a:off x="737280" y="731520"/>
-            <a:ext cx="7309080" cy="3597480"/>
+            <a:ext cx="7308720" cy="3597120"/>
           </a:xfrm>
           <a:prstGeom prst="rect">
             <a:avLst/>
@@ -11678,7 +13918,7 @@
       </p:sp>
       <p:pic>
         <p:nvPicPr>
-          <p:cNvPr id="227" name="" descr=""/>
+          <p:cNvPr id="268" name="" descr=""/>
           <p:cNvPicPr/>
           <p:nvPr/>
         </p:nvPicPr>
@@ -11689,7 +13929,7 @@
         <p:spPr>
           <a:xfrm>
             <a:off x="5531760" y="2743200"/>
-            <a:ext cx="3429000" cy="1919880"/>
+            <a:ext cx="3428640" cy="1919520"/>
           </a:xfrm>
           <a:prstGeom prst="rect">
             <a:avLst/>
@@ -12825,4 +15065,227 @@
     </a:fmtScheme>
   </a:themeElements>
 </a:theme>
+</file>
+
+<file path=ppt/theme/theme6.xml><?xml version="1.0" encoding="utf-8"?>
+<a:theme xmlns:a="http://schemas.openxmlformats.org/drawingml/2006/main" name="Office Theme">
+  <a:themeElements>
+    <a:clrScheme name="Office">
+      <a:dk1>
+        <a:sysClr val="windowText" lastClr="000000"/>
+      </a:dk1>
+      <a:lt1>
+        <a:sysClr val="window" lastClr="FFFFFF"/>
+      </a:lt1>
+      <a:dk2>
+        <a:srgbClr val="1f497d"/>
+      </a:dk2>
+      <a:lt2>
+        <a:srgbClr val="eeece1"/>
+      </a:lt2>
+      <a:accent1>
+        <a:srgbClr val="4f81bd"/>
+      </a:accent1>
+      <a:accent2>
+        <a:srgbClr val="c0504d"/>
+      </a:accent2>
+      <a:accent3>
+        <a:srgbClr val="9bbb59"/>
+      </a:accent3>
+      <a:accent4>
+        <a:srgbClr val="8064a2"/>
+      </a:accent4>
+      <a:accent5>
+        <a:srgbClr val="4bacc6"/>
+      </a:accent5>
+      <a:accent6>
+        <a:srgbClr val="f79646"/>
+      </a:accent6>
+      <a:hlink>
+        <a:srgbClr val="0000ff"/>
+      </a:hlink>
+      <a:folHlink>
+        <a:srgbClr val="800080"/>
+      </a:folHlink>
+    </a:clrScheme>
+    <a:fontScheme name="Office">
+      <a:majorFont>
+        <a:latin typeface="Arial"/>
+        <a:ea typeface="DejaVu Sans"/>
+        <a:cs typeface="DejaVu Sans"/>
+      </a:majorFont>
+      <a:minorFont>
+        <a:latin typeface="Arial"/>
+        <a:ea typeface="DejaVu Sans"/>
+        <a:cs typeface="DejaVu Sans"/>
+      </a:minorFont>
+    </a:fontScheme>
+    <a:fmtScheme name="Office">
+      <a:fillStyleLst>
+        <a:solidFill>
+          <a:schemeClr val="phClr"/>
+        </a:solidFill>
+        <a:gradFill rotWithShape="1">
+          <a:gsLst>
+            <a:gs pos="0">
+              <a:schemeClr val="phClr">
+                <a:tint val="50000"/>
+                <a:satMod val="300000"/>
+              </a:schemeClr>
+            </a:gs>
+            <a:gs pos="35000">
+              <a:schemeClr val="phClr">
+                <a:tint val="37000"/>
+                <a:satMod val="300000"/>
+              </a:schemeClr>
+            </a:gs>
+            <a:gs pos="100000">
+              <a:schemeClr val="phClr">
+                <a:tint val="15000"/>
+                <a:satMod val="350000"/>
+              </a:schemeClr>
+            </a:gs>
+          </a:gsLst>
+          <a:lin ang="16200000" scaled="1"/>
+        </a:gradFill>
+        <a:gradFill rotWithShape="1">
+          <a:gsLst>
+            <a:gs pos="0">
+              <a:schemeClr val="phClr">
+                <a:shade val="51000"/>
+                <a:satMod val="130000"/>
+              </a:schemeClr>
+            </a:gs>
+            <a:gs pos="80000">
+              <a:schemeClr val="phClr">
+                <a:shade val="93000"/>
+                <a:satMod val="130000"/>
+              </a:schemeClr>
+            </a:gs>
+            <a:gs pos="100000">
+              <a:schemeClr val="phClr">
+                <a:shade val="94000"/>
+                <a:satMod val="135000"/>
+              </a:schemeClr>
+            </a:gs>
+          </a:gsLst>
+          <a:lin ang="16200000" scaled="0"/>
+        </a:gradFill>
+      </a:fillStyleLst>
+      <a:lnStyleLst>
+        <a:ln w="9525" cap="flat" cmpd="sng" algn="ctr">
+          <a:solidFill>
+            <a:schemeClr val="phClr">
+              <a:shade val="95000"/>
+              <a:satMod val="105000"/>
+            </a:schemeClr>
+          </a:solidFill>
+          <a:prstDash val="solid"/>
+        </a:ln>
+        <a:ln w="25400" cap="flat" cmpd="sng" algn="ctr">
+          <a:solidFill>
+            <a:schemeClr val="phClr"/>
+          </a:solidFill>
+          <a:prstDash val="solid"/>
+        </a:ln>
+        <a:ln w="38100" cap="flat" cmpd="sng" algn="ctr">
+          <a:solidFill>
+            <a:schemeClr val="phClr"/>
+          </a:solidFill>
+          <a:prstDash val="solid"/>
+        </a:ln>
+      </a:lnStyleLst>
+      <a:effectStyleLst>
+        <a:effectStyle>
+          <a:effectLst>
+            <a:outerShdw blurRad="40000" dist="20000" dir="5400000" rotWithShape="0">
+              <a:srgbClr val="000000">
+                <a:alpha val="38000"/>
+              </a:srgbClr>
+            </a:outerShdw>
+          </a:effectLst>
+        </a:effectStyle>
+        <a:effectStyle>
+          <a:effectLst>
+            <a:outerShdw blurRad="40000" dist="23000" dir="5400000" rotWithShape="0">
+              <a:srgbClr val="000000">
+                <a:alpha val="35000"/>
+              </a:srgbClr>
+            </a:outerShdw>
+          </a:effectLst>
+        </a:effectStyle>
+        <a:effectStyle>
+          <a:effectLst>
+            <a:outerShdw blurRad="40000" dist="23000" dir="5400000" rotWithShape="0">
+              <a:srgbClr val="000000">
+                <a:alpha val="35000"/>
+              </a:srgbClr>
+            </a:outerShdw>
+          </a:effectLst>
+          <a:scene3d>
+            <a:camera prst="orthographicFront">
+              <a:rot lat="0" lon="0" rev="0"/>
+            </a:camera>
+            <a:lightRig rig="threePt" dir="t">
+              <a:rot lat="0" lon="0" rev="1200000"/>
+            </a:lightRig>
+          </a:scene3d>
+          <a:sp3d>
+            <a:bevelT w="63500" h="25400"/>
+          </a:sp3d>
+        </a:effectStyle>
+      </a:effectStyleLst>
+      <a:bgFillStyleLst>
+        <a:solidFill>
+          <a:schemeClr val="phClr"/>
+        </a:solidFill>
+        <a:gradFill rotWithShape="1">
+          <a:gsLst>
+            <a:gs pos="0">
+              <a:schemeClr val="phClr">
+                <a:tint val="40000"/>
+                <a:satMod val="350000"/>
+              </a:schemeClr>
+            </a:gs>
+            <a:gs pos="40000">
+              <a:schemeClr val="phClr">
+                <a:tint val="45000"/>
+                <a:shade val="99000"/>
+                <a:satMod val="350000"/>
+              </a:schemeClr>
+            </a:gs>
+            <a:gs pos="100000">
+              <a:schemeClr val="phClr">
+                <a:shade val="20000"/>
+                <a:satMod val="255000"/>
+              </a:schemeClr>
+            </a:gs>
+          </a:gsLst>
+          <a:path path="circle">
+            <a:fillToRect l="50000" t="-80000" r="50000" b="180000"/>
+          </a:path>
+        </a:gradFill>
+        <a:gradFill rotWithShape="1">
+          <a:gsLst>
+            <a:gs pos="0">
+              <a:schemeClr val="phClr">
+                <a:tint val="80000"/>
+                <a:satMod val="300000"/>
+              </a:schemeClr>
+            </a:gs>
+            <a:gs pos="100000">
+              <a:schemeClr val="phClr">
+                <a:shade val="30000"/>
+                <a:satMod val="200000"/>
+              </a:schemeClr>
+            </a:gs>
+          </a:gsLst>
+          <a:path path="circle">
+            <a:fillToRect l="50000" t="50000" r="50000" b="50000"/>
+          </a:path>
+        </a:gradFill>
+      </a:bgFillStyleLst>
+    </a:fmtScheme>
+  </a:themeElements>
+</a:theme>
 </file>